--- a/Deliverable2/PC builder web application .pptx
+++ b/Deliverable2/PC builder web application .pptx
@@ -9,18 +9,20 @@
     <p:sldId id="257" r:id="rId3"/>
     <p:sldId id="258" r:id="rId4"/>
     <p:sldId id="259" r:id="rId5"/>
-    <p:sldId id="260" r:id="rId6"/>
-    <p:sldId id="261" r:id="rId7"/>
-    <p:sldId id="262" r:id="rId8"/>
-    <p:sldId id="263" r:id="rId9"/>
-    <p:sldId id="264" r:id="rId10"/>
-    <p:sldId id="265" r:id="rId11"/>
-    <p:sldId id="266" r:id="rId12"/>
-    <p:sldId id="273" r:id="rId13"/>
-    <p:sldId id="267" r:id="rId14"/>
-    <p:sldId id="274" r:id="rId15"/>
-    <p:sldId id="269" r:id="rId16"/>
-    <p:sldId id="270" r:id="rId17"/>
+    <p:sldId id="275" r:id="rId6"/>
+    <p:sldId id="276" r:id="rId7"/>
+    <p:sldId id="260" r:id="rId8"/>
+    <p:sldId id="261" r:id="rId9"/>
+    <p:sldId id="262" r:id="rId10"/>
+    <p:sldId id="263" r:id="rId11"/>
+    <p:sldId id="264" r:id="rId12"/>
+    <p:sldId id="265" r:id="rId13"/>
+    <p:sldId id="266" r:id="rId14"/>
+    <p:sldId id="273" r:id="rId15"/>
+    <p:sldId id="267" r:id="rId16"/>
+    <p:sldId id="274" r:id="rId17"/>
+    <p:sldId id="269" r:id="rId18"/>
+    <p:sldId id="270" r:id="rId19"/>
   </p:sldIdLst>
   <p:sldSz cx="12192000" cy="6858000"/>
   <p:notesSz cx="6858000" cy="9144000"/>
@@ -377,7 +379,7 @@
           <a:p>
             <a:fld id="{ED291B17-9318-49DB-B28B-6E5994AE9581}" type="datetime1">
               <a:rPr lang="en-US" smtClean="0"/>
-              <a:t>10/4/2020</a:t>
+              <a:t>10/30/2020</a:t>
             </a:fld>
             <a:endParaRPr lang="en-US" dirty="0"/>
           </a:p>
@@ -603,7 +605,7 @@
           <a:p>
             <a:fld id="{ED291B17-9318-49DB-B28B-6E5994AE9581}" type="datetime1">
               <a:rPr lang="en-US" smtClean="0"/>
-              <a:t>10/4/2020</a:t>
+              <a:t>10/30/2020</a:t>
             </a:fld>
             <a:endParaRPr lang="en-US" dirty="0"/>
           </a:p>
@@ -1904,6 +1906,1251 @@
       </p:grpSpPr>
       <p:sp useBgFill="1">
         <p:nvSpPr>
+          <p:cNvPr id="16" name="Rectangle 7">
+            <a:extLst>
+              <a:ext uri="{FF2B5EF4-FFF2-40B4-BE49-F238E27FC236}">
+                <a16:creationId xmlns:a16="http://schemas.microsoft.com/office/drawing/2014/main" id="{9DD60C94-0C9C-47B7-BE88-045235ACCC6A}"/>
+              </a:ext>
+              <a:ext uri="{C183D7F6-B498-43B3-948B-1728B52AA6E4}">
+                <adec:decorative xmlns:adec="http://schemas.microsoft.com/office/drawing/2017/decorative" val="1"/>
+              </a:ext>
+            </a:extLst>
+          </p:cNvPr>
+          <p:cNvSpPr>
+            <a:spLocks noGrp="1" noRot="1" noChangeAspect="1" noMove="1" noResize="1" noEditPoints="1" noAdjustHandles="1" noChangeArrowheads="1" noChangeShapeType="1" noTextEdit="1"/>
+          </p:cNvSpPr>
+          <p:nvPr>
+            <p:extLst>
+              <p:ext uri="{386F3935-93C4-4BCD-93E2-E3B085C9AB24}">
+                <p16:designElem xmlns:p16="http://schemas.microsoft.com/office/powerpoint/2015/main" val="1"/>
+              </p:ext>
+            </p:extLst>
+          </p:nvPr>
+        </p:nvSpPr>
+        <p:spPr>
+          <a:xfrm>
+            <a:off x="0" y="0"/>
+            <a:ext cx="12192000" cy="6858000"/>
+          </a:xfrm>
+          <a:prstGeom prst="rect">
+            <a:avLst/>
+          </a:prstGeom>
+          <a:ln>
+            <a:noFill/>
+          </a:ln>
+        </p:spPr>
+        <p:style>
+          <a:lnRef idx="2">
+            <a:schemeClr val="accent1">
+              <a:shade val="50000"/>
+            </a:schemeClr>
+          </a:lnRef>
+          <a:fillRef idx="1">
+            <a:schemeClr val="accent1"/>
+          </a:fillRef>
+          <a:effectRef idx="0">
+            <a:schemeClr val="accent1"/>
+          </a:effectRef>
+          <a:fontRef idx="minor">
+            <a:schemeClr val="lt1"/>
+          </a:fontRef>
+        </p:style>
+        <p:txBody>
+          <a:bodyPr rtlCol="0" anchor="ctr"/>
+          <a:lstStyle/>
+          <a:p>
+            <a:pPr algn="ctr"/>
+            <a:endParaRPr lang="en-US"/>
+          </a:p>
+        </p:txBody>
+      </p:sp>
+      <p:sp>
+        <p:nvSpPr>
+          <p:cNvPr id="17" name="Rectangle 9">
+            <a:extLst>
+              <a:ext uri="{FF2B5EF4-FFF2-40B4-BE49-F238E27FC236}">
+                <a16:creationId xmlns:a16="http://schemas.microsoft.com/office/drawing/2014/main" id="{BFCF7016-AC99-433F-B943-24C3736E0602}"/>
+              </a:ext>
+              <a:ext uri="{C183D7F6-B498-43B3-948B-1728B52AA6E4}">
+                <adec:decorative xmlns:adec="http://schemas.microsoft.com/office/drawing/2017/decorative" val="1"/>
+              </a:ext>
+            </a:extLst>
+          </p:cNvPr>
+          <p:cNvSpPr>
+            <a:spLocks noGrp="1" noRot="1" noChangeAspect="1" noMove="1" noResize="1" noEditPoints="1" noAdjustHandles="1" noChangeArrowheads="1" noChangeShapeType="1" noTextEdit="1"/>
+          </p:cNvSpPr>
+          <p:nvPr>
+            <p:extLst>
+              <p:ext uri="{386F3935-93C4-4BCD-93E2-E3B085C9AB24}">
+                <p16:designElem xmlns:p16="http://schemas.microsoft.com/office/powerpoint/2015/main" val="1"/>
+              </p:ext>
+            </p:extLst>
+          </p:nvPr>
+        </p:nvSpPr>
+        <p:spPr>
+          <a:xfrm>
+            <a:off x="446533" y="457200"/>
+            <a:ext cx="7579574" cy="643614"/>
+          </a:xfrm>
+          <a:prstGeom prst="rect">
+            <a:avLst/>
+          </a:prstGeom>
+          <a:solidFill>
+            <a:schemeClr val="accent1"/>
+          </a:solidFill>
+          <a:ln>
+            <a:noFill/>
+          </a:ln>
+          <a:effectLst/>
+        </p:spPr>
+        <p:style>
+          <a:lnRef idx="1">
+            <a:schemeClr val="accent1"/>
+          </a:lnRef>
+          <a:fillRef idx="3">
+            <a:schemeClr val="accent1"/>
+          </a:fillRef>
+          <a:effectRef idx="2">
+            <a:schemeClr val="accent1"/>
+          </a:effectRef>
+          <a:fontRef idx="minor">
+            <a:schemeClr val="lt1"/>
+          </a:fontRef>
+        </p:style>
+      </p:sp>
+      <p:sp>
+        <p:nvSpPr>
+          <p:cNvPr id="18" name="Rectangle 11">
+            <a:extLst>
+              <a:ext uri="{FF2B5EF4-FFF2-40B4-BE49-F238E27FC236}">
+                <a16:creationId xmlns:a16="http://schemas.microsoft.com/office/drawing/2014/main" id="{A03737D1-A930-4E3E-9160-3CD4AEC72AB7}"/>
+              </a:ext>
+              <a:ext uri="{C183D7F6-B498-43B3-948B-1728B52AA6E4}">
+                <adec:decorative xmlns:adec="http://schemas.microsoft.com/office/drawing/2017/decorative" val="1"/>
+              </a:ext>
+            </a:extLst>
+          </p:cNvPr>
+          <p:cNvSpPr>
+            <a:spLocks noGrp="1" noRot="1" noChangeAspect="1" noMove="1" noResize="1" noEditPoints="1" noAdjustHandles="1" noChangeArrowheads="1" noChangeShapeType="1" noTextEdit="1"/>
+          </p:cNvSpPr>
+          <p:nvPr>
+            <p:extLst>
+              <p:ext uri="{386F3935-93C4-4BCD-93E2-E3B085C9AB24}">
+                <p16:designElem xmlns:p16="http://schemas.microsoft.com/office/powerpoint/2015/main" val="1"/>
+              </p:ext>
+            </p:extLst>
+          </p:nvPr>
+        </p:nvSpPr>
+        <p:spPr>
+          <a:xfrm>
+            <a:off x="8129871" y="453642"/>
+            <a:ext cx="3615596" cy="645113"/>
+          </a:xfrm>
+          <a:prstGeom prst="rect">
+            <a:avLst/>
+          </a:prstGeom>
+          <a:solidFill>
+            <a:schemeClr val="accent4"/>
+          </a:solidFill>
+          <a:ln>
+            <a:noFill/>
+          </a:ln>
+          <a:effectLst/>
+        </p:spPr>
+        <p:style>
+          <a:lnRef idx="1">
+            <a:schemeClr val="accent1"/>
+          </a:lnRef>
+          <a:fillRef idx="3">
+            <a:schemeClr val="accent1"/>
+          </a:fillRef>
+          <a:effectRef idx="2">
+            <a:schemeClr val="accent1"/>
+          </a:effectRef>
+          <a:fontRef idx="minor">
+            <a:schemeClr val="lt1"/>
+          </a:fontRef>
+        </p:style>
+      </p:sp>
+      <p:sp>
+        <p:nvSpPr>
+          <p:cNvPr id="19" name="Rectangle 13">
+            <a:extLst>
+              <a:ext uri="{FF2B5EF4-FFF2-40B4-BE49-F238E27FC236}">
+                <a16:creationId xmlns:a16="http://schemas.microsoft.com/office/drawing/2014/main" id="{F71CFF33-010E-4E26-A285-83B182982358}"/>
+              </a:ext>
+              <a:ext uri="{C183D7F6-B498-43B3-948B-1728B52AA6E4}">
+                <adec:decorative xmlns:adec="http://schemas.microsoft.com/office/drawing/2017/decorative" val="1"/>
+              </a:ext>
+            </a:extLst>
+          </p:cNvPr>
+          <p:cNvSpPr>
+            <a:spLocks noGrp="1" noRot="1" noChangeAspect="1" noMove="1" noResize="1" noEditPoints="1" noAdjustHandles="1" noChangeArrowheads="1" noChangeShapeType="1" noTextEdit="1"/>
+          </p:cNvSpPr>
+          <p:nvPr>
+            <p:extLst>
+              <p:ext uri="{386F3935-93C4-4BCD-93E2-E3B085C9AB24}">
+                <p16:designElem xmlns:p16="http://schemas.microsoft.com/office/powerpoint/2015/main" val="1"/>
+              </p:ext>
+            </p:extLst>
+          </p:nvPr>
+        </p:nvSpPr>
+        <p:spPr>
+          <a:xfrm>
+            <a:off x="446533" y="5707627"/>
+            <a:ext cx="11293913" cy="649224"/>
+          </a:xfrm>
+          <a:prstGeom prst="rect">
+            <a:avLst/>
+          </a:prstGeom>
+          <a:solidFill>
+            <a:srgbClr val="465359"/>
+          </a:solidFill>
+          <a:ln>
+            <a:noFill/>
+          </a:ln>
+          <a:effectLst/>
+        </p:spPr>
+        <p:style>
+          <a:lnRef idx="1">
+            <a:schemeClr val="accent1"/>
+          </a:lnRef>
+          <a:fillRef idx="3">
+            <a:schemeClr val="accent1"/>
+          </a:fillRef>
+          <a:effectRef idx="2">
+            <a:schemeClr val="accent1"/>
+          </a:effectRef>
+          <a:fontRef idx="minor">
+            <a:schemeClr val="lt1"/>
+          </a:fontRef>
+        </p:style>
+      </p:sp>
+      <p:graphicFrame>
+        <p:nvGraphicFramePr>
+          <p:cNvPr id="4" name="Table 4">
+            <a:extLst>
+              <a:ext uri="{FF2B5EF4-FFF2-40B4-BE49-F238E27FC236}">
+                <a16:creationId xmlns:a16="http://schemas.microsoft.com/office/drawing/2014/main" id="{88CAD12B-BAEA-43ED-A071-763985197FD5}"/>
+              </a:ext>
+            </a:extLst>
+          </p:cNvPr>
+          <p:cNvGraphicFramePr>
+            <a:graphicFrameLocks noGrp="1"/>
+          </p:cNvGraphicFramePr>
+          <p:nvPr>
+            <p:extLst>
+              <p:ext uri="{D42A27DB-BD31-4B8C-83A1-F6EECF244321}">
+                <p14:modId xmlns:p14="http://schemas.microsoft.com/office/powerpoint/2010/main" val="2508782828"/>
+              </p:ext>
+            </p:extLst>
+          </p:nvPr>
+        </p:nvGraphicFramePr>
+        <p:xfrm>
+          <a:off x="446533" y="1158977"/>
+          <a:ext cx="11293912" cy="5675745"/>
+        </p:xfrm>
+        <a:graphic>
+          <a:graphicData uri="http://schemas.openxmlformats.org/drawingml/2006/table">
+            <a:tbl>
+              <a:tblPr firstRow="1" bandRow="1">
+                <a:tableStyleId>{5C22544A-7EE6-4342-B048-85BDC9FD1C3A}</a:tableStyleId>
+              </a:tblPr>
+              <a:tblGrid>
+                <a:gridCol w="1607553">
+                  <a:extLst>
+                    <a:ext uri="{9D8B030D-6E8A-4147-A177-3AD203B41FA5}">
+                      <a16:colId xmlns:a16="http://schemas.microsoft.com/office/drawing/2014/main" val="3082778250"/>
+                    </a:ext>
+                  </a:extLst>
+                </a:gridCol>
+                <a:gridCol w="4039403">
+                  <a:extLst>
+                    <a:ext uri="{9D8B030D-6E8A-4147-A177-3AD203B41FA5}">
+                      <a16:colId xmlns:a16="http://schemas.microsoft.com/office/drawing/2014/main" val="2923575896"/>
+                    </a:ext>
+                  </a:extLst>
+                </a:gridCol>
+                <a:gridCol w="1685536">
+                  <a:extLst>
+                    <a:ext uri="{9D8B030D-6E8A-4147-A177-3AD203B41FA5}">
+                      <a16:colId xmlns:a16="http://schemas.microsoft.com/office/drawing/2014/main" val="949953039"/>
+                    </a:ext>
+                  </a:extLst>
+                </a:gridCol>
+                <a:gridCol w="3961420">
+                  <a:extLst>
+                    <a:ext uri="{9D8B030D-6E8A-4147-A177-3AD203B41FA5}">
+                      <a16:colId xmlns:a16="http://schemas.microsoft.com/office/drawing/2014/main" val="1188640633"/>
+                    </a:ext>
+                  </a:extLst>
+                </a:gridCol>
+              </a:tblGrid>
+              <a:tr h="352301">
+                <a:tc>
+                  <a:txBody>
+                    <a:bodyPr/>
+                    <a:lstStyle/>
+                    <a:p>
+                      <a:r>
+                        <a:rPr lang="en-US" dirty="0"/>
+                        <a:t>Scenario</a:t>
+                      </a:r>
+                    </a:p>
+                  </a:txBody>
+                  <a:tcPr/>
+                </a:tc>
+                <a:tc>
+                  <a:txBody>
+                    <a:bodyPr/>
+                    <a:lstStyle/>
+                    <a:p>
+                      <a:r>
+                        <a:rPr lang="en-US" dirty="0"/>
+                        <a:t>Test Cases</a:t>
+                      </a:r>
+                    </a:p>
+                  </a:txBody>
+                  <a:tcPr/>
+                </a:tc>
+                <a:tc>
+                  <a:txBody>
+                    <a:bodyPr/>
+                    <a:lstStyle/>
+                    <a:p>
+                      <a:r>
+                        <a:rPr lang="en-US" dirty="0"/>
+                        <a:t>Test Data</a:t>
+                      </a:r>
+                    </a:p>
+                  </a:txBody>
+                  <a:tcPr/>
+                </a:tc>
+                <a:tc>
+                  <a:txBody>
+                    <a:bodyPr/>
+                    <a:lstStyle/>
+                    <a:p>
+                      <a:r>
+                        <a:rPr lang="en-US" dirty="0"/>
+                        <a:t>Expected Result</a:t>
+                      </a:r>
+                    </a:p>
+                  </a:txBody>
+                  <a:tcPr/>
+                </a:tc>
+                <a:extLst>
+                  <a:ext uri="{0D108BD9-81ED-4DB2-BD59-A6C34878D82A}">
+                    <a16:rowId xmlns:a16="http://schemas.microsoft.com/office/drawing/2014/main" val="2685766574"/>
+                  </a:ext>
+                </a:extLst>
+              </a:tr>
+              <a:tr h="352301">
+                <a:tc>
+                  <a:txBody>
+                    <a:bodyPr/>
+                    <a:lstStyle/>
+                    <a:p>
+                      <a:endParaRPr lang="en-US" dirty="0"/>
+                    </a:p>
+                  </a:txBody>
+                  <a:tcPr/>
+                </a:tc>
+                <a:tc>
+                  <a:txBody>
+                    <a:bodyPr/>
+                    <a:lstStyle/>
+                    <a:p>
+                      <a:endParaRPr lang="en-US"/>
+                    </a:p>
+                  </a:txBody>
+                  <a:tcPr/>
+                </a:tc>
+                <a:tc>
+                  <a:txBody>
+                    <a:bodyPr/>
+                    <a:lstStyle/>
+                    <a:p>
+                      <a:endParaRPr lang="en-US"/>
+                    </a:p>
+                  </a:txBody>
+                  <a:tcPr/>
+                </a:tc>
+                <a:tc>
+                  <a:txBody>
+                    <a:bodyPr/>
+                    <a:lstStyle/>
+                    <a:p>
+                      <a:endParaRPr lang="en-US"/>
+                    </a:p>
+                  </a:txBody>
+                  <a:tcPr/>
+                </a:tc>
+                <a:extLst>
+                  <a:ext uri="{0D108BD9-81ED-4DB2-BD59-A6C34878D82A}">
+                    <a16:rowId xmlns:a16="http://schemas.microsoft.com/office/drawing/2014/main" val="3175749403"/>
+                  </a:ext>
+                </a:extLst>
+              </a:tr>
+              <a:tr h="1857306">
+                <a:tc>
+                  <a:txBody>
+                    <a:bodyPr/>
+                    <a:lstStyle/>
+                    <a:p>
+                      <a:r>
+                        <a:rPr lang="en-US" dirty="0"/>
+                        <a:t>Create Account</a:t>
+                      </a:r>
+                    </a:p>
+                  </a:txBody>
+                  <a:tcPr/>
+                </a:tc>
+                <a:tc>
+                  <a:txBody>
+                    <a:bodyPr/>
+                    <a:lstStyle/>
+                    <a:p>
+                      <a:pPr marL="285750" indent="-285750">
+                        <a:buFont typeface="Arial" panose="020B0604020202020204" pitchFamily="34" charset="0"/>
+                        <a:buChar char="•"/>
+                      </a:pPr>
+                      <a:r>
+                        <a:rPr lang="en-US" sz="1600" dirty="0"/>
+                        <a:t>Sign up with Email and password </a:t>
+                      </a:r>
+                    </a:p>
+                    <a:p>
+                      <a:pPr marL="285750" indent="-285750">
+                        <a:buFont typeface="Arial" panose="020B0604020202020204" pitchFamily="34" charset="0"/>
+                        <a:buChar char="•"/>
+                      </a:pPr>
+                      <a:r>
+                        <a:rPr lang="en-US" sz="1600" dirty="0"/>
+                        <a:t>Error if the Email is not in correct format </a:t>
+                      </a:r>
+                    </a:p>
+                    <a:p>
+                      <a:pPr marL="285750" indent="-285750">
+                        <a:buFont typeface="Arial" panose="020B0604020202020204" pitchFamily="34" charset="0"/>
+                        <a:buChar char="•"/>
+                      </a:pPr>
+                      <a:r>
+                        <a:rPr lang="en-US" sz="1600" dirty="0"/>
+                        <a:t>Remind User if Password is wrong</a:t>
+                      </a:r>
+                    </a:p>
+                    <a:p>
+                      <a:pPr marL="285750" indent="-285750">
+                        <a:buFont typeface="Arial" panose="020B0604020202020204" pitchFamily="34" charset="0"/>
+                        <a:buChar char="•"/>
+                      </a:pPr>
+                      <a:r>
+                        <a:rPr lang="en-US" sz="1600" dirty="0"/>
+                        <a:t>Remind User if Password is shorter than 6 characters.</a:t>
+                      </a:r>
+                    </a:p>
+                    <a:p>
+                      <a:pPr marL="285750" indent="-285750">
+                        <a:buFont typeface="Arial" panose="020B0604020202020204" pitchFamily="34" charset="0"/>
+                        <a:buChar char="•"/>
+                      </a:pPr>
+                      <a:r>
+                        <a:rPr lang="en-US" sz="1600" dirty="0"/>
+                        <a:t>Successful Register after input Email, Password in correct format</a:t>
+                      </a:r>
+                    </a:p>
+                  </a:txBody>
+                  <a:tcPr/>
+                </a:tc>
+                <a:tc>
+                  <a:txBody>
+                    <a:bodyPr/>
+                    <a:lstStyle/>
+                    <a:p>
+                      <a:r>
+                        <a:rPr lang="en-US" sz="1600" dirty="0"/>
+                        <a:t>Email:</a:t>
+                      </a:r>
+                    </a:p>
+                    <a:p>
+                      <a:r>
+                        <a:rPr lang="en-US" sz="1600" dirty="0">
+                          <a:hlinkClick r:id="rId2"/>
+                        </a:rPr>
+                        <a:t>applebee@gmail.com</a:t>
+                      </a:r>
+                      <a:endParaRPr lang="en-US" sz="1600" dirty="0"/>
+                    </a:p>
+                    <a:p>
+                      <a:r>
+                        <a:rPr lang="en-US" sz="1600" dirty="0"/>
+                        <a:t>Password:</a:t>
+                      </a:r>
+                    </a:p>
+                    <a:p>
+                      <a:r>
+                        <a:rPr lang="en-US" sz="1600" dirty="0"/>
+                        <a:t>111345p</a:t>
+                      </a:r>
+                    </a:p>
+                  </a:txBody>
+                  <a:tcPr/>
+                </a:tc>
+                <a:tc>
+                  <a:txBody>
+                    <a:bodyPr/>
+                    <a:lstStyle/>
+                    <a:p>
+                      <a:pPr marL="285750" indent="-285750">
+                        <a:buFont typeface="Arial" panose="020B0604020202020204" pitchFamily="34" charset="0"/>
+                        <a:buChar char="•"/>
+                      </a:pPr>
+                      <a:r>
+                        <a:rPr lang="en-US" sz="1300" dirty="0"/>
+                        <a:t>User should complete registration and be redirected to their Home page.</a:t>
+                      </a:r>
+                    </a:p>
+                    <a:p>
+                      <a:pPr marL="285750" indent="-285750">
+                        <a:buFont typeface="Arial" panose="020B0604020202020204" pitchFamily="34" charset="0"/>
+                        <a:buChar char="•"/>
+                      </a:pPr>
+                      <a:r>
+                        <a:rPr lang="en-US" sz="1300" dirty="0"/>
+                        <a:t>Only Email with certain format can register. If not, an error message : “</a:t>
+                      </a:r>
+                      <a:r>
+                        <a:rPr lang="en-US" sz="1300" b="0" i="0" kern="1200" dirty="0">
+                          <a:solidFill>
+                            <a:schemeClr val="dk1"/>
+                          </a:solidFill>
+                          <a:effectLst/>
+                          <a:latin typeface="+mn-lt"/>
+                          <a:ea typeface="+mn-ea"/>
+                          <a:cs typeface="+mn-cs"/>
+                        </a:rPr>
+                        <a:t>The email address is badly formatted.” will pop up.</a:t>
+                      </a:r>
+                    </a:p>
+                    <a:p>
+                      <a:pPr marL="285750" indent="-285750">
+                        <a:buFont typeface="Arial" panose="020B0604020202020204" pitchFamily="34" charset="0"/>
+                        <a:buChar char="•"/>
+                      </a:pPr>
+                      <a:r>
+                        <a:rPr lang="en-US" sz="1300" b="0" i="0" kern="1200" dirty="0">
+                          <a:solidFill>
+                            <a:schemeClr val="dk1"/>
+                          </a:solidFill>
+                          <a:effectLst/>
+                          <a:latin typeface="+mn-lt"/>
+                          <a:ea typeface="+mn-ea"/>
+                          <a:cs typeface="+mn-cs"/>
+                        </a:rPr>
+                        <a:t>Incorrect Password will get an error message: “The password is invalid.”</a:t>
+                      </a:r>
+                    </a:p>
+                    <a:p>
+                      <a:pPr marL="285750" indent="-285750">
+                        <a:buFont typeface="Arial" panose="020B0604020202020204" pitchFamily="34" charset="0"/>
+                        <a:buChar char="•"/>
+                      </a:pPr>
+                      <a:r>
+                        <a:rPr lang="en-US" sz="1300" b="0" i="0" kern="1200" dirty="0">
+                          <a:solidFill>
+                            <a:schemeClr val="dk1"/>
+                          </a:solidFill>
+                          <a:effectLst/>
+                          <a:latin typeface="+mn-lt"/>
+                          <a:ea typeface="+mn-ea"/>
+                          <a:cs typeface="+mn-cs"/>
+                        </a:rPr>
+                        <a:t>After User registers, they will be automatically sent to Home page.</a:t>
+                      </a:r>
+                    </a:p>
+                  </a:txBody>
+                  <a:tcPr/>
+                </a:tc>
+                <a:extLst>
+                  <a:ext uri="{0D108BD9-81ED-4DB2-BD59-A6C34878D82A}">
+                    <a16:rowId xmlns:a16="http://schemas.microsoft.com/office/drawing/2014/main" val="37648768"/>
+                  </a:ext>
+                </a:extLst>
+              </a:tr>
+              <a:tr h="193295">
+                <a:tc>
+                  <a:txBody>
+                    <a:bodyPr/>
+                    <a:lstStyle/>
+                    <a:p>
+                      <a:endParaRPr lang="en-US" dirty="0"/>
+                    </a:p>
+                  </a:txBody>
+                  <a:tcPr/>
+                </a:tc>
+                <a:tc>
+                  <a:txBody>
+                    <a:bodyPr/>
+                    <a:lstStyle/>
+                    <a:p>
+                      <a:endParaRPr lang="en-US" dirty="0"/>
+                    </a:p>
+                  </a:txBody>
+                  <a:tcPr/>
+                </a:tc>
+                <a:tc>
+                  <a:txBody>
+                    <a:bodyPr/>
+                    <a:lstStyle/>
+                    <a:p>
+                      <a:endParaRPr lang="en-US"/>
+                    </a:p>
+                  </a:txBody>
+                  <a:tcPr/>
+                </a:tc>
+                <a:tc>
+                  <a:txBody>
+                    <a:bodyPr/>
+                    <a:lstStyle/>
+                    <a:p>
+                      <a:endParaRPr lang="en-US" dirty="0"/>
+                    </a:p>
+                  </a:txBody>
+                  <a:tcPr/>
+                </a:tc>
+                <a:extLst>
+                  <a:ext uri="{0D108BD9-81ED-4DB2-BD59-A6C34878D82A}">
+                    <a16:rowId xmlns:a16="http://schemas.microsoft.com/office/drawing/2014/main" val="2279490964"/>
+                  </a:ext>
+                </a:extLst>
+              </a:tr>
+              <a:tr h="1262412">
+                <a:tc>
+                  <a:txBody>
+                    <a:bodyPr/>
+                    <a:lstStyle/>
+                    <a:p>
+                      <a:r>
+                        <a:rPr lang="en-US" dirty="0"/>
+                        <a:t>Login Form</a:t>
+                      </a:r>
+                    </a:p>
+                  </a:txBody>
+                  <a:tcPr/>
+                </a:tc>
+                <a:tc>
+                  <a:txBody>
+                    <a:bodyPr/>
+                    <a:lstStyle/>
+                    <a:p>
+                      <a:pPr marL="285750" indent="-285750">
+                        <a:buFont typeface="Arial" panose="020B0604020202020204" pitchFamily="34" charset="0"/>
+                        <a:buChar char="•"/>
+                      </a:pPr>
+                      <a:r>
+                        <a:rPr lang="en-US" sz="1600" dirty="0"/>
+                        <a:t>Sign in with valid Email address and password</a:t>
+                      </a:r>
+                    </a:p>
+                    <a:p>
+                      <a:pPr marL="285750" indent="-285750">
+                        <a:buFont typeface="Arial" panose="020B0604020202020204" pitchFamily="34" charset="0"/>
+                        <a:buChar char="•"/>
+                      </a:pPr>
+                      <a:r>
+                        <a:rPr lang="en-US" sz="1600" dirty="0"/>
+                        <a:t>Reach User’s Home page</a:t>
+                      </a:r>
+                    </a:p>
+                    <a:p>
+                      <a:pPr marL="285750" indent="-285750">
+                        <a:buFont typeface="Arial" panose="020B0604020202020204" pitchFamily="34" charset="0"/>
+                        <a:buChar char="•"/>
+                      </a:pPr>
+                      <a:r>
+                        <a:rPr lang="en-US" sz="1600" dirty="0"/>
+                        <a:t>Error message for too many incorrect attempts</a:t>
+                      </a:r>
+                    </a:p>
+                  </a:txBody>
+                  <a:tcPr/>
+                </a:tc>
+                <a:tc>
+                  <a:txBody>
+                    <a:bodyPr/>
+                    <a:lstStyle/>
+                    <a:p>
+                      <a:r>
+                        <a:rPr lang="en-US" sz="1600" dirty="0"/>
+                        <a:t>Same Email and Password From Register </a:t>
+                      </a:r>
+                    </a:p>
+                  </a:txBody>
+                  <a:tcPr/>
+                </a:tc>
+                <a:tc>
+                  <a:txBody>
+                    <a:bodyPr/>
+                    <a:lstStyle/>
+                    <a:p>
+                      <a:pPr marL="285750" indent="-285750">
+                        <a:buFont typeface="Arial" panose="020B0604020202020204" pitchFamily="34" charset="0"/>
+                        <a:buChar char="•"/>
+                      </a:pPr>
+                      <a:r>
+                        <a:rPr lang="en-US" sz="1300" dirty="0"/>
+                        <a:t>User should be able to login with email and password.</a:t>
+                      </a:r>
+                    </a:p>
+                    <a:p>
+                      <a:pPr marL="285750" indent="-285750">
+                        <a:buFont typeface="Arial" panose="020B0604020202020204" pitchFamily="34" charset="0"/>
+                        <a:buChar char="•"/>
+                      </a:pPr>
+                      <a:r>
+                        <a:rPr lang="en-US" sz="1300" dirty="0"/>
+                        <a:t>They will redirect to homepage after login</a:t>
+                      </a:r>
+                    </a:p>
+                    <a:p>
+                      <a:pPr marL="285750" indent="-285750">
+                        <a:buFont typeface="Arial" panose="020B0604020202020204" pitchFamily="34" charset="0"/>
+                        <a:buChar char="•"/>
+                      </a:pPr>
+                      <a:r>
+                        <a:rPr lang="en-US" sz="1300" dirty="0"/>
+                        <a:t>Message: “too many attempts” will pop up to prevent bot spam.</a:t>
+                      </a:r>
+                    </a:p>
+                  </a:txBody>
+                  <a:tcPr/>
+                </a:tc>
+                <a:extLst>
+                  <a:ext uri="{0D108BD9-81ED-4DB2-BD59-A6C34878D82A}">
+                    <a16:rowId xmlns:a16="http://schemas.microsoft.com/office/drawing/2014/main" val="3966217764"/>
+                  </a:ext>
+                </a:extLst>
+              </a:tr>
+              <a:tr h="211091">
+                <a:tc>
+                  <a:txBody>
+                    <a:bodyPr/>
+                    <a:lstStyle/>
+                    <a:p>
+                      <a:endParaRPr lang="en-US" dirty="0"/>
+                    </a:p>
+                  </a:txBody>
+                  <a:tcPr/>
+                </a:tc>
+                <a:tc>
+                  <a:txBody>
+                    <a:bodyPr/>
+                    <a:lstStyle/>
+                    <a:p>
+                      <a:endParaRPr lang="en-US"/>
+                    </a:p>
+                  </a:txBody>
+                  <a:tcPr/>
+                </a:tc>
+                <a:tc>
+                  <a:txBody>
+                    <a:bodyPr/>
+                    <a:lstStyle/>
+                    <a:p>
+                      <a:endParaRPr lang="en-US" dirty="0"/>
+                    </a:p>
+                  </a:txBody>
+                  <a:tcPr/>
+                </a:tc>
+                <a:tc>
+                  <a:txBody>
+                    <a:bodyPr/>
+                    <a:lstStyle/>
+                    <a:p>
+                      <a:endParaRPr lang="en-US" dirty="0"/>
+                    </a:p>
+                  </a:txBody>
+                  <a:tcPr/>
+                </a:tc>
+                <a:extLst>
+                  <a:ext uri="{0D108BD9-81ED-4DB2-BD59-A6C34878D82A}">
+                    <a16:rowId xmlns:a16="http://schemas.microsoft.com/office/drawing/2014/main" val="3820840783"/>
+                  </a:ext>
+                </a:extLst>
+              </a:tr>
+              <a:tr h="1027545">
+                <a:tc>
+                  <a:txBody>
+                    <a:bodyPr/>
+                    <a:lstStyle/>
+                    <a:p>
+                      <a:r>
+                        <a:rPr lang="en-US" dirty="0"/>
+                        <a:t>Log Out </a:t>
+                      </a:r>
+                    </a:p>
+                  </a:txBody>
+                  <a:tcPr/>
+                </a:tc>
+                <a:tc>
+                  <a:txBody>
+                    <a:bodyPr/>
+                    <a:lstStyle/>
+                    <a:p>
+                      <a:pPr marL="285750" indent="-285750">
+                        <a:buFont typeface="Arial" panose="020B0604020202020204" pitchFamily="34" charset="0"/>
+                        <a:buChar char="•"/>
+                      </a:pPr>
+                      <a:r>
+                        <a:rPr lang="en-US" sz="1400" dirty="0"/>
+                        <a:t>After entering to user’s page, refreshing the page will not redirect.</a:t>
+                      </a:r>
+                    </a:p>
+                    <a:p>
+                      <a:pPr marL="285750" indent="-285750">
+                        <a:buFont typeface="Arial" panose="020B0604020202020204" pitchFamily="34" charset="0"/>
+                        <a:buChar char="•"/>
+                      </a:pPr>
+                      <a:r>
+                        <a:rPr lang="en-US" sz="1400" dirty="0"/>
+                        <a:t>Click Log Out button can redirect back to Login/Register Page.</a:t>
+                      </a:r>
+                    </a:p>
+                  </a:txBody>
+                  <a:tcPr/>
+                </a:tc>
+                <a:tc>
+                  <a:txBody>
+                    <a:bodyPr/>
+                    <a:lstStyle/>
+                    <a:p>
+                      <a:endParaRPr lang="en-US" dirty="0"/>
+                    </a:p>
+                  </a:txBody>
+                  <a:tcPr/>
+                </a:tc>
+                <a:tc>
+                  <a:txBody>
+                    <a:bodyPr/>
+                    <a:lstStyle/>
+                    <a:p>
+                      <a:pPr marL="285750" indent="-285750">
+                        <a:buFont typeface="Arial" panose="020B0604020202020204" pitchFamily="34" charset="0"/>
+                        <a:buChar char="•"/>
+                      </a:pPr>
+                      <a:r>
+                        <a:rPr lang="en-US" sz="1300" dirty="0"/>
+                        <a:t>Refresh page will not drop user connection. They will stay logged in until manually logged out.</a:t>
+                      </a:r>
+                    </a:p>
+                    <a:p>
+                      <a:pPr marL="285750" indent="-285750">
+                        <a:buFont typeface="Arial" panose="020B0604020202020204" pitchFamily="34" charset="0"/>
+                        <a:buChar char="•"/>
+                      </a:pPr>
+                      <a:endParaRPr lang="en-US" sz="1300" dirty="0"/>
+                    </a:p>
+                    <a:p>
+                      <a:pPr marL="285750" indent="-285750">
+                        <a:buFont typeface="Arial" panose="020B0604020202020204" pitchFamily="34" charset="0"/>
+                        <a:buChar char="•"/>
+                      </a:pPr>
+                      <a:endParaRPr lang="en-US" dirty="0"/>
+                    </a:p>
+                  </a:txBody>
+                  <a:tcPr/>
+                </a:tc>
+                <a:extLst>
+                  <a:ext uri="{0D108BD9-81ED-4DB2-BD59-A6C34878D82A}">
+                    <a16:rowId xmlns:a16="http://schemas.microsoft.com/office/drawing/2014/main" val="3926232150"/>
+                  </a:ext>
+                </a:extLst>
+              </a:tr>
+            </a:tbl>
+          </a:graphicData>
+        </a:graphic>
+      </p:graphicFrame>
+      <p:sp>
+        <p:nvSpPr>
+          <p:cNvPr id="7" name="TextBox 6">
+            <a:extLst>
+              <a:ext uri="{FF2B5EF4-FFF2-40B4-BE49-F238E27FC236}">
+                <a16:creationId xmlns:a16="http://schemas.microsoft.com/office/drawing/2014/main" id="{A688AB2E-7519-472C-A76E-817291CF75AD}"/>
+              </a:ext>
+            </a:extLst>
+          </p:cNvPr>
+          <p:cNvSpPr txBox="1"/>
+          <p:nvPr/>
+        </p:nvSpPr>
+        <p:spPr>
+          <a:xfrm>
+            <a:off x="795130" y="453642"/>
+            <a:ext cx="5910470" cy="369332"/>
+          </a:xfrm>
+          <a:prstGeom prst="rect">
+            <a:avLst/>
+          </a:prstGeom>
+          <a:noFill/>
+        </p:spPr>
+        <p:txBody>
+          <a:bodyPr wrap="square" rtlCol="0">
+            <a:spAutoFit/>
+          </a:bodyPr>
+          <a:lstStyle/>
+          <a:p>
+            <a:r>
+              <a:rPr lang="en-US" dirty="0"/>
+              <a:t>Test Case</a:t>
+            </a:r>
+          </a:p>
+        </p:txBody>
+      </p:sp>
+    </p:spTree>
+    <p:extLst>
+      <p:ext uri="{BB962C8B-B14F-4D97-AF65-F5344CB8AC3E}">
+        <p14:creationId xmlns:p14="http://schemas.microsoft.com/office/powerpoint/2010/main" val="3492448924"/>
+      </p:ext>
+    </p:extLst>
+  </p:cSld>
+  <p:clrMapOvr>
+    <a:masterClrMapping/>
+  </p:clrMapOvr>
+</p:sld>
+</file>
+
+<file path=ppt/slides/slide11.xml><?xml version="1.0" encoding="utf-8"?>
+<p:sld xmlns:a="http://schemas.openxmlformats.org/drawingml/2006/main" xmlns:r="http://schemas.openxmlformats.org/officeDocument/2006/relationships" xmlns:p="http://schemas.openxmlformats.org/presentationml/2006/main">
+  <p:cSld>
+    <p:bg>
+      <p:bgPr>
+        <a:solidFill>
+          <a:schemeClr val="bg2"/>
+        </a:solidFill>
+        <a:effectLst/>
+      </p:bgPr>
+    </p:bg>
+    <p:spTree>
+      <p:nvGrpSpPr>
+        <p:cNvPr id="1" name=""/>
+        <p:cNvGrpSpPr/>
+        <p:nvPr/>
+      </p:nvGrpSpPr>
+      <p:grpSpPr>
+        <a:xfrm>
+          <a:off x="0" y="0"/>
+          <a:ext cx="0" cy="0"/>
+          <a:chOff x="0" y="0"/>
+          <a:chExt cx="0" cy="0"/>
+        </a:xfrm>
+      </p:grpSpPr>
+      <p:sp>
+        <p:nvSpPr>
+          <p:cNvPr id="9" name="Rectangle 8">
+            <a:extLst>
+              <a:ext uri="{FF2B5EF4-FFF2-40B4-BE49-F238E27FC236}">
+                <a16:creationId xmlns:a16="http://schemas.microsoft.com/office/drawing/2014/main" id="{85A71294-C247-450A-BB34-6E68648C95D8}"/>
+              </a:ext>
+              <a:ext uri="{C183D7F6-B498-43B3-948B-1728B52AA6E4}">
+                <adec:decorative xmlns:adec="http://schemas.microsoft.com/office/drawing/2017/decorative" val="1"/>
+              </a:ext>
+            </a:extLst>
+          </p:cNvPr>
+          <p:cNvSpPr>
+            <a:spLocks noGrp="1" noRot="1" noChangeAspect="1" noMove="1" noResize="1" noEditPoints="1" noAdjustHandles="1" noChangeArrowheads="1" noChangeShapeType="1" noTextEdit="1"/>
+          </p:cNvSpPr>
+          <p:nvPr>
+            <p:extLst>
+              <p:ext uri="{386F3935-93C4-4BCD-93E2-E3B085C9AB24}">
+                <p16:designElem xmlns:p16="http://schemas.microsoft.com/office/powerpoint/2015/main" val="1"/>
+              </p:ext>
+            </p:extLst>
+          </p:nvPr>
+        </p:nvSpPr>
+        <p:spPr>
+          <a:xfrm>
+            <a:off x="0" y="0"/>
+            <a:ext cx="12192000" cy="6858000"/>
+          </a:xfrm>
+          <a:prstGeom prst="rect">
+            <a:avLst/>
+          </a:prstGeom>
+          <a:solidFill>
+            <a:srgbClr val="FFFFFF"/>
+          </a:solidFill>
+          <a:ln>
+            <a:noFill/>
+          </a:ln>
+        </p:spPr>
+        <p:style>
+          <a:lnRef idx="2">
+            <a:schemeClr val="accent1">
+              <a:shade val="50000"/>
+            </a:schemeClr>
+          </a:lnRef>
+          <a:fillRef idx="1">
+            <a:schemeClr val="accent1"/>
+          </a:fillRef>
+          <a:effectRef idx="0">
+            <a:schemeClr val="accent1"/>
+          </a:effectRef>
+          <a:fontRef idx="minor">
+            <a:schemeClr val="lt1"/>
+          </a:fontRef>
+        </p:style>
+        <p:txBody>
+          <a:bodyPr rtlCol="0" anchor="ctr"/>
+          <a:lstStyle/>
+          <a:p>
+            <a:pPr marL="0" marR="0" lvl="0" indent="0" algn="ctr" defTabSz="457200" rtl="0" eaLnBrk="1" fontAlgn="auto" latinLnBrk="0" hangingPunct="1">
+              <a:lnSpc>
+                <a:spcPct val="100000"/>
+              </a:lnSpc>
+              <a:spcBef>
+                <a:spcPts val="0"/>
+              </a:spcBef>
+              <a:spcAft>
+                <a:spcPts val="0"/>
+              </a:spcAft>
+              <a:buClrTx/>
+              <a:buSzTx/>
+              <a:buFontTx/>
+              <a:buNone/>
+              <a:tabLst/>
+              <a:defRPr/>
+            </a:pPr>
+            <a:endParaRPr kumimoji="0" lang="en-US" sz="1800" b="0" i="0" u="none" strike="noStrike" kern="1200" cap="none" spc="0" normalizeH="0" baseline="0" noProof="0">
+              <a:ln>
+                <a:noFill/>
+              </a:ln>
+              <a:solidFill>
+                <a:prstClr val="white"/>
+              </a:solidFill>
+              <a:effectLst/>
+              <a:uLnTx/>
+              <a:uFillTx/>
+              <a:latin typeface="Gill Sans MT" panose="020B0502020104020203"/>
+              <a:ea typeface="+mn-ea"/>
+              <a:cs typeface="+mn-cs"/>
+            </a:endParaRPr>
+          </a:p>
+        </p:txBody>
+      </p:sp>
+      <p:sp useBgFill="1">
+        <p:nvSpPr>
+          <p:cNvPr id="11" name="Rectangle 10">
+            <a:extLst>
+              <a:ext uri="{FF2B5EF4-FFF2-40B4-BE49-F238E27FC236}">
+                <a16:creationId xmlns:a16="http://schemas.microsoft.com/office/drawing/2014/main" id="{D36A0BA4-6A63-41D3-B0FA-43799ABC4AA0}"/>
+              </a:ext>
+              <a:ext uri="{C183D7F6-B498-43B3-948B-1728B52AA6E4}">
+                <adec:decorative xmlns:adec="http://schemas.microsoft.com/office/drawing/2017/decorative" val="1"/>
+              </a:ext>
+            </a:extLst>
+          </p:cNvPr>
+          <p:cNvSpPr>
+            <a:spLocks noGrp="1" noRot="1" noChangeAspect="1" noMove="1" noResize="1" noEditPoints="1" noAdjustHandles="1" noChangeArrowheads="1" noChangeShapeType="1" noTextEdit="1"/>
+          </p:cNvSpPr>
+          <p:nvPr>
+            <p:extLst>
+              <p:ext uri="{386F3935-93C4-4BCD-93E2-E3B085C9AB24}">
+                <p16:designElem xmlns:p16="http://schemas.microsoft.com/office/powerpoint/2015/main" val="1"/>
+              </p:ext>
+            </p:extLst>
+          </p:nvPr>
+        </p:nvSpPr>
+        <p:spPr>
+          <a:xfrm>
+            <a:off x="0" y="0"/>
+            <a:ext cx="12192000" cy="6858000"/>
+          </a:xfrm>
+          <a:prstGeom prst="rect">
+            <a:avLst/>
+          </a:prstGeom>
+          <a:ln>
+            <a:noFill/>
+          </a:ln>
+          <a:effectLst/>
+        </p:spPr>
+        <p:style>
+          <a:lnRef idx="1">
+            <a:schemeClr val="accent1"/>
+          </a:lnRef>
+          <a:fillRef idx="3">
+            <a:schemeClr val="accent1"/>
+          </a:fillRef>
+          <a:effectRef idx="2">
+            <a:schemeClr val="accent1"/>
+          </a:effectRef>
+          <a:fontRef idx="minor">
+            <a:schemeClr val="lt1"/>
+          </a:fontRef>
+        </p:style>
+      </p:sp>
+      <p:sp>
+        <p:nvSpPr>
+          <p:cNvPr id="2" name="Title 1">
+            <a:extLst>
+              <a:ext uri="{FF2B5EF4-FFF2-40B4-BE49-F238E27FC236}">
+                <a16:creationId xmlns:a16="http://schemas.microsoft.com/office/drawing/2014/main" id="{CF002806-2960-4414-BDB0-6703F8AD1FEB}"/>
+              </a:ext>
+            </a:extLst>
+          </p:cNvPr>
+          <p:cNvSpPr>
+            <a:spLocks noGrp="1"/>
+          </p:cNvSpPr>
+          <p:nvPr>
+            <p:ph type="ctrTitle"/>
+          </p:nvPr>
+        </p:nvSpPr>
+        <p:spPr>
+          <a:xfrm>
+            <a:off x="581192" y="1009398"/>
+            <a:ext cx="6823988" cy="3453419"/>
+          </a:xfrm>
+        </p:spPr>
+        <p:txBody>
+          <a:bodyPr anchor="b">
+            <a:normAutofit/>
+          </a:bodyPr>
+          <a:lstStyle/>
+          <a:p>
+            <a:r>
+              <a:rPr lang="en-US" sz="6000" dirty="0">
+                <a:solidFill>
+                  <a:schemeClr val="tx1"/>
+                </a:solidFill>
+              </a:rPr>
+              <a:t>Project demo</a:t>
+            </a:r>
+          </a:p>
+        </p:txBody>
+      </p:sp>
+      <p:sp>
+        <p:nvSpPr>
+          <p:cNvPr id="13" name="Rectangle 12">
+            <a:extLst>
+              <a:ext uri="{FF2B5EF4-FFF2-40B4-BE49-F238E27FC236}">
+                <a16:creationId xmlns:a16="http://schemas.microsoft.com/office/drawing/2014/main" id="{673313D8-D259-4D89-9CE5-14884FB40DB4}"/>
+              </a:ext>
+              <a:ext uri="{C183D7F6-B498-43B3-948B-1728B52AA6E4}">
+                <adec:decorative xmlns:adec="http://schemas.microsoft.com/office/drawing/2017/decorative" val="1"/>
+              </a:ext>
+            </a:extLst>
+          </p:cNvPr>
+          <p:cNvSpPr>
+            <a:spLocks noGrp="1" noRot="1" noChangeAspect="1" noMove="1" noResize="1" noEditPoints="1" noAdjustHandles="1" noChangeArrowheads="1" noChangeShapeType="1" noTextEdit="1"/>
+          </p:cNvSpPr>
+          <p:nvPr>
+            <p:extLst>
+              <p:ext uri="{386F3935-93C4-4BCD-93E2-E3B085C9AB24}">
+                <p16:designElem xmlns:p16="http://schemas.microsoft.com/office/powerpoint/2015/main" val="1"/>
+              </p:ext>
+            </p:extLst>
+          </p:nvPr>
+        </p:nvSpPr>
+        <p:spPr>
+          <a:xfrm>
+            <a:off x="638619" y="457200"/>
+            <a:ext cx="6766560" cy="91439"/>
+          </a:xfrm>
+          <a:prstGeom prst="rect">
+            <a:avLst/>
+          </a:prstGeom>
+          <a:solidFill>
+            <a:schemeClr val="tx1">
+              <a:alpha val="60000"/>
+            </a:schemeClr>
+          </a:solidFill>
+          <a:ln>
+            <a:noFill/>
+          </a:ln>
+          <a:effectLst/>
+        </p:spPr>
+        <p:style>
+          <a:lnRef idx="1">
+            <a:schemeClr val="accent1"/>
+          </a:lnRef>
+          <a:fillRef idx="3">
+            <a:schemeClr val="accent1"/>
+          </a:fillRef>
+          <a:effectRef idx="2">
+            <a:schemeClr val="accent1"/>
+          </a:effectRef>
+          <a:fontRef idx="minor">
+            <a:schemeClr val="lt1"/>
+          </a:fontRef>
+        </p:style>
+      </p:sp>
+      <p:pic>
+        <p:nvPicPr>
+          <p:cNvPr id="5" name="Picture 4">
+            <a:extLst>
+              <a:ext uri="{FF2B5EF4-FFF2-40B4-BE49-F238E27FC236}">
+                <a16:creationId xmlns:a16="http://schemas.microsoft.com/office/drawing/2014/main" id="{FC807609-BD64-48B4-A067-B5465145C478}"/>
+              </a:ext>
+            </a:extLst>
+          </p:cNvPr>
+          <p:cNvPicPr>
+            <a:picLocks noChangeAspect="1"/>
+          </p:cNvPicPr>
+          <p:nvPr/>
+        </p:nvPicPr>
+        <p:blipFill rotWithShape="1">
+          <a:blip r:embed="rId2"/>
+          <a:srcRect l="18005" r="40196" b="-1"/>
+          <a:stretch/>
+        </p:blipFill>
+        <p:spPr>
+          <a:xfrm>
+            <a:off x="8140428" y="10"/>
+            <a:ext cx="4051572" cy="6857990"/>
+          </a:xfrm>
+          <a:prstGeom prst="rect">
+            <a:avLst/>
+          </a:prstGeom>
+        </p:spPr>
+      </p:pic>
+    </p:spTree>
+    <p:extLst>
+      <p:ext uri="{BB962C8B-B14F-4D97-AF65-F5344CB8AC3E}">
+        <p14:creationId xmlns:p14="http://schemas.microsoft.com/office/powerpoint/2010/main" val="454114810"/>
+      </p:ext>
+    </p:extLst>
+  </p:cSld>
+  <p:clrMapOvr>
+    <a:overrideClrMapping bg1="dk1" tx1="lt1" bg2="dk2" tx2="lt2" accent1="accent1" accent2="accent2" accent3="accent3" accent4="accent4" accent5="accent5" accent6="accent6" hlink="hlink" folHlink="folHlink"/>
+  </p:clrMapOvr>
+</p:sld>
+</file>
+
+<file path=ppt/slides/slide12.xml><?xml version="1.0" encoding="utf-8"?>
+<p:sld xmlns:a="http://schemas.openxmlformats.org/drawingml/2006/main" xmlns:r="http://schemas.openxmlformats.org/officeDocument/2006/relationships" xmlns:p="http://schemas.openxmlformats.org/presentationml/2006/main">
+  <p:cSld>
+    <p:bg>
+      <p:bgPr>
+        <a:solidFill>
+          <a:schemeClr val="bg1"/>
+        </a:solidFill>
+        <a:effectLst/>
+      </p:bgPr>
+    </p:bg>
+    <p:spTree>
+      <p:nvGrpSpPr>
+        <p:cNvPr id="1" name=""/>
+        <p:cNvGrpSpPr/>
+        <p:nvPr/>
+      </p:nvGrpSpPr>
+      <p:grpSpPr>
+        <a:xfrm>
+          <a:off x="0" y="0"/>
+          <a:ext cx="0" cy="0"/>
+          <a:chOff x="0" y="0"/>
+          <a:chExt cx="0" cy="0"/>
+        </a:xfrm>
+      </p:grpSpPr>
+      <p:sp useBgFill="1">
+        <p:nvSpPr>
           <p:cNvPr id="28" name="Rectangle 27">
             <a:extLst>
               <a:ext uri="{FF2B5EF4-FFF2-40B4-BE49-F238E27FC236}">
@@ -2216,7 +3463,7 @@
 </p:sld>
 </file>
 
-<file path=ppt/slides/slide11.xml><?xml version="1.0" encoding="utf-8"?>
+<file path=ppt/slides/slide13.xml><?xml version="1.0" encoding="utf-8"?>
 <p:sld xmlns:a="http://schemas.openxmlformats.org/drawingml/2006/main" xmlns:r="http://schemas.openxmlformats.org/officeDocument/2006/relationships" xmlns:p="http://schemas.openxmlformats.org/presentationml/2006/main">
   <p:cSld>
     <p:bg>
@@ -2691,7 +3938,7 @@
 </p:sld>
 </file>
 
-<file path=ppt/slides/slide12.xml><?xml version="1.0" encoding="utf-8"?>
+<file path=ppt/slides/slide14.xml><?xml version="1.0" encoding="utf-8"?>
 <p:sld xmlns:a="http://schemas.openxmlformats.org/drawingml/2006/main" xmlns:r="http://schemas.openxmlformats.org/officeDocument/2006/relationships" xmlns:p="http://schemas.openxmlformats.org/presentationml/2006/main">
   <p:cSld>
     <p:bg>
@@ -3130,7 +4377,7 @@
 </p:sld>
 </file>
 
-<file path=ppt/slides/slide13.xml><?xml version="1.0" encoding="utf-8"?>
+<file path=ppt/slides/slide15.xml><?xml version="1.0" encoding="utf-8"?>
 <p:sld xmlns:a="http://schemas.openxmlformats.org/drawingml/2006/main" xmlns:r="http://schemas.openxmlformats.org/officeDocument/2006/relationships" xmlns:p="http://schemas.openxmlformats.org/presentationml/2006/main">
   <p:cSld>
     <p:bg>
@@ -3935,7 +5182,7 @@
 </p:sld>
 </file>
 
-<file path=ppt/slides/slide14.xml><?xml version="1.0" encoding="utf-8"?>
+<file path=ppt/slides/slide16.xml><?xml version="1.0" encoding="utf-8"?>
 <p:sld xmlns:a="http://schemas.openxmlformats.org/drawingml/2006/main" xmlns:r="http://schemas.openxmlformats.org/officeDocument/2006/relationships" xmlns:p="http://schemas.openxmlformats.org/presentationml/2006/main">
   <p:cSld>
     <p:bg>
@@ -4739,7 +5986,7 @@
 </p:sld>
 </file>
 
-<file path=ppt/slides/slide15.xml><?xml version="1.0" encoding="utf-8"?>
+<file path=ppt/slides/slide17.xml><?xml version="1.0" encoding="utf-8"?>
 <p:sld xmlns:a="http://schemas.openxmlformats.org/drawingml/2006/main" xmlns:r="http://schemas.openxmlformats.org/officeDocument/2006/relationships" xmlns:p="http://schemas.openxmlformats.org/presentationml/2006/main">
   <p:cSld>
     <p:bg>
@@ -5123,7 +6370,7 @@
 </p:sld>
 </file>
 
-<file path=ppt/slides/slide16.xml><?xml version="1.0" encoding="utf-8"?>
+<file path=ppt/slides/slide18.xml><?xml version="1.0" encoding="utf-8"?>
 <p:sld xmlns:a="http://schemas.openxmlformats.org/drawingml/2006/main" xmlns:r="http://schemas.openxmlformats.org/officeDocument/2006/relationships" xmlns:p="http://schemas.openxmlformats.org/presentationml/2006/main">
   <p:cSld>
     <p:bg>
@@ -5956,8 +7203,12 @@
           <a:lstStyle/>
           <a:p>
             <a:r>
-              <a:rPr lang="en-US" sz="2400" dirty="0"/>
-              <a:t>Hi, I am Nancy studying Bachelor's in Computer Science at North Georgia University.  It’s difficult for me to pick a laptop out of many brands.  There are ASUS, MSI, Dell and so many famous brands with similar hardware spec.  I wish there is a good online application to help me identify which brand has the best hardware with the best price. </a:t>
+              <a:rPr lang="en-US" sz="2400" dirty="0">
+                <a:solidFill>
+                  <a:schemeClr val="bg1"/>
+                </a:solidFill>
+              </a:rPr>
+              <a:t>Hi, I am Nancy studying Bachelor's in Computer Science at North Georgia University.  It’s difficult for me to pick a laptop out of many brands.  There are ASUS, MSI, Dell and so many famous brands with similar hardware specs.  I wish there is a good online application to help me identify which brand has the best hardware with the best price. </a:t>
             </a:r>
           </a:p>
         </p:txBody>
@@ -6049,22 +7300,42 @@
           <a:lstStyle/>
           <a:p>
             <a:r>
-              <a:rPr lang="en-US" sz="2400" dirty="0"/>
+              <a:rPr lang="en-US" sz="2400" dirty="0">
+                <a:solidFill>
+                  <a:schemeClr val="bg1"/>
+                </a:solidFill>
+              </a:rPr>
               <a:t>Hi, I am </a:t>
             </a:r>
             <a:r>
-              <a:rPr lang="en-US" sz="2400" dirty="0" err="1"/>
+              <a:rPr lang="en-US" sz="2400" dirty="0" err="1">
+                <a:solidFill>
+                  <a:schemeClr val="bg1"/>
+                </a:solidFill>
+              </a:rPr>
               <a:t>Jz</a:t>
             </a:r>
             <a:r>
-              <a:rPr lang="en-US" sz="2400" dirty="0"/>
-              <a:t> Han. I am an experienced IT worker who live in Georgia suburb. In Georgia, the retail store sometimes can be far away from where I live so I always shop PC parts online. However, the websites that I am f</a:t>
+              <a:rPr lang="en-US" sz="2400" dirty="0">
+                <a:solidFill>
+                  <a:schemeClr val="bg1"/>
+                </a:solidFill>
+              </a:rPr>
+              <a:t> Han. I am an experienced IT worker living in the Georgia suburb. In Georgia, the retail store is far away from where I live so I always shop for PC parts online. However, the websites that I am f</a:t>
             </a:r>
             <a:r>
-              <a:rPr lang="en-US" altLang="zh-CN" sz="2400" dirty="0"/>
-              <a:t>amiliar with are only office related. They do sell PC hardware but it’s not their major business. I wish there was a web application that would just focus on selling PC parts. It would need to have a clear category breakdown and run smoothly just like any other shopping websites.</a:t>
+              <a:rPr lang="en-US" altLang="zh-CN" sz="2400" dirty="0">
+                <a:solidFill>
+                  <a:schemeClr val="bg1"/>
+                </a:solidFill>
+              </a:rPr>
+              <a:t>amiliar with are only office related.  They do sell PC hardware but it’s not their major business. I wish there was a web application that would just focus on selling PC parts. It would need to have a clear category breakdown and run smoothly just like any other shopping website.</a:t>
             </a:r>
-            <a:endParaRPr lang="en-US" sz="2400" dirty="0"/>
+            <a:endParaRPr lang="en-US" sz="2400" dirty="0">
+              <a:solidFill>
+                <a:schemeClr val="bg1"/>
+              </a:solidFill>
+            </a:endParaRPr>
           </a:p>
         </p:txBody>
       </p:sp>
@@ -6082,6 +7353,385 @@
 </file>
 
 <file path=ppt/slides/slide5.xml><?xml version="1.0" encoding="utf-8"?>
+<p:sld xmlns:a="http://schemas.openxmlformats.org/drawingml/2006/main" xmlns:r="http://schemas.openxmlformats.org/officeDocument/2006/relationships" xmlns:p="http://schemas.openxmlformats.org/presentationml/2006/main">
+  <p:cSld>
+    <p:spTree>
+      <p:nvGrpSpPr>
+        <p:cNvPr id="1" name=""/>
+        <p:cNvGrpSpPr/>
+        <p:nvPr/>
+      </p:nvGrpSpPr>
+      <p:grpSpPr>
+        <a:xfrm>
+          <a:off x="0" y="0"/>
+          <a:ext cx="0" cy="0"/>
+          <a:chOff x="0" y="0"/>
+          <a:chExt cx="0" cy="0"/>
+        </a:xfrm>
+      </p:grpSpPr>
+      <p:sp>
+        <p:nvSpPr>
+          <p:cNvPr id="2" name="Title 1">
+            <a:extLst>
+              <a:ext uri="{FF2B5EF4-FFF2-40B4-BE49-F238E27FC236}">
+                <a16:creationId xmlns:a16="http://schemas.microsoft.com/office/drawing/2014/main" id="{4A66ABD0-5F53-A841-8640-D0E27240F5B4}"/>
+              </a:ext>
+            </a:extLst>
+          </p:cNvPr>
+          <p:cNvSpPr>
+            <a:spLocks noGrp="1"/>
+          </p:cNvSpPr>
+          <p:nvPr>
+            <p:ph type="ctrTitle"/>
+          </p:nvPr>
+        </p:nvSpPr>
+        <p:spPr/>
+        <p:txBody>
+          <a:bodyPr/>
+          <a:lstStyle/>
+          <a:p>
+            <a:r>
+              <a:rPr lang="en-US" dirty="0"/>
+              <a:t>Persona of a </a:t>
+            </a:r>
+            <a:r>
+              <a:rPr lang="en-US" dirty="0" err="1"/>
+              <a:t>Fil</a:t>
+            </a:r>
+            <a:r>
+              <a:rPr lang="en-US" altLang="zh-CN" dirty="0" err="1"/>
+              <a:t>Mmaker</a:t>
+            </a:r>
+            <a:endParaRPr lang="en-US" dirty="0"/>
+          </a:p>
+        </p:txBody>
+      </p:sp>
+      <p:sp>
+        <p:nvSpPr>
+          <p:cNvPr id="4" name="TextBox 3">
+            <a:extLst>
+              <a:ext uri="{FF2B5EF4-FFF2-40B4-BE49-F238E27FC236}">
+                <a16:creationId xmlns:a16="http://schemas.microsoft.com/office/drawing/2014/main" id="{0FA89686-AD3C-2248-9587-16189C25452E}"/>
+              </a:ext>
+            </a:extLst>
+          </p:cNvPr>
+          <p:cNvSpPr txBox="1"/>
+          <p:nvPr/>
+        </p:nvSpPr>
+        <p:spPr>
+          <a:xfrm>
+            <a:off x="599225" y="3200791"/>
+            <a:ext cx="10993549" cy="2862322"/>
+          </a:xfrm>
+          <a:prstGeom prst="rect">
+            <a:avLst/>
+          </a:prstGeom>
+          <a:noFill/>
+        </p:spPr>
+        <p:txBody>
+          <a:bodyPr wrap="square" rtlCol="0">
+            <a:spAutoFit/>
+          </a:bodyPr>
+          <a:lstStyle/>
+          <a:p>
+            <a:r>
+              <a:rPr lang="en-US" sz="2000" dirty="0">
+                <a:solidFill>
+                  <a:schemeClr val="bg1"/>
+                </a:solidFill>
+              </a:rPr>
+              <a:t>Hi, my name is Mark. I’m an MFA of Filmmaking in the School of Visual Arts in New York. Next semester I will take classes related to video editing and color correction and I’m using 4K videos instead of 1080p videos. So I’m changing my main editing tool from Adobe Premiere to Davinci Resolve. I have a great Gaming Desktop and it worked well with Premiere, but after moving to Davinci it runs much slower. I was told that different professional</a:t>
+            </a:r>
+            <a:r>
+              <a:rPr lang="zh-CN" altLang="en-US" sz="2000" dirty="0">
+                <a:solidFill>
+                  <a:schemeClr val="bg1"/>
+                </a:solidFill>
+              </a:rPr>
+              <a:t> </a:t>
+            </a:r>
+            <a:r>
+              <a:rPr lang="en-US" sz="2000" dirty="0">
+                <a:solidFill>
+                  <a:schemeClr val="bg1"/>
+                </a:solidFill>
+              </a:rPr>
+              <a:t>software sometimes make more use of different</a:t>
+            </a:r>
+            <a:r>
+              <a:rPr lang="zh-CN" altLang="en-US" sz="2000" dirty="0">
+                <a:solidFill>
+                  <a:schemeClr val="bg1"/>
+                </a:solidFill>
+              </a:rPr>
+              <a:t> </a:t>
+            </a:r>
+            <a:r>
+              <a:rPr lang="en-US" sz="2000" dirty="0">
+                <a:solidFill>
+                  <a:schemeClr val="bg1"/>
+                </a:solidFill>
+              </a:rPr>
+              <a:t>components of the PC.  When I was</a:t>
+            </a:r>
+            <a:r>
+              <a:rPr lang="zh-CN" altLang="en-US" sz="2000" dirty="0">
+                <a:solidFill>
+                  <a:schemeClr val="bg1"/>
+                </a:solidFill>
+              </a:rPr>
+              <a:t> </a:t>
+            </a:r>
+            <a:r>
+              <a:rPr lang="en-US" altLang="zh-CN" sz="2000" dirty="0">
+                <a:solidFill>
+                  <a:schemeClr val="bg1"/>
+                </a:solidFill>
+              </a:rPr>
+              <a:t>trying</a:t>
+            </a:r>
+            <a:r>
+              <a:rPr lang="zh-CN" altLang="en-US" sz="2000" dirty="0">
+                <a:solidFill>
+                  <a:schemeClr val="bg1"/>
+                </a:solidFill>
+              </a:rPr>
+              <a:t> </a:t>
+            </a:r>
+            <a:r>
+              <a:rPr lang="en-US" altLang="zh-CN" sz="2000" dirty="0">
+                <a:solidFill>
+                  <a:schemeClr val="bg1"/>
+                </a:solidFill>
+              </a:rPr>
+              <a:t>to</a:t>
+            </a:r>
+            <a:r>
+              <a:rPr lang="en-US" sz="2000" dirty="0">
+                <a:solidFill>
+                  <a:schemeClr val="bg1"/>
+                </a:solidFill>
+              </a:rPr>
+              <a:t> find which part of my PC should be</a:t>
+            </a:r>
+            <a:r>
+              <a:rPr lang="zh-CN" altLang="en-US" sz="2000" dirty="0">
+                <a:solidFill>
+                  <a:schemeClr val="bg1"/>
+                </a:solidFill>
+              </a:rPr>
+              <a:t> </a:t>
+            </a:r>
+            <a:r>
+              <a:rPr lang="en-US" altLang="zh-CN" sz="2000" dirty="0">
+                <a:solidFill>
+                  <a:schemeClr val="bg1"/>
+                </a:solidFill>
+              </a:rPr>
+              <a:t>replaced,</a:t>
+            </a:r>
+            <a:r>
+              <a:rPr lang="en-US" sz="2000" dirty="0">
+                <a:solidFill>
+                  <a:schemeClr val="bg1"/>
+                </a:solidFill>
+              </a:rPr>
+              <a:t> I found that all</a:t>
+            </a:r>
+            <a:r>
+              <a:rPr lang="zh-CN" altLang="en-US" sz="2000" dirty="0">
+                <a:solidFill>
+                  <a:schemeClr val="bg1"/>
+                </a:solidFill>
+              </a:rPr>
+              <a:t> </a:t>
+            </a:r>
+            <a:r>
+              <a:rPr lang="en-US" sz="2000" dirty="0">
+                <a:solidFill>
+                  <a:schemeClr val="bg1"/>
+                </a:solidFill>
+              </a:rPr>
+              <a:t>the current PC building websites separated their PC builds into categories like gaming PC, creator PC, or office PC. It would be helpful to have a PC Building website which can make buying suggestions based not only on the main use, but also based on the specific workflow and tools.</a:t>
+            </a:r>
+          </a:p>
+        </p:txBody>
+      </p:sp>
+    </p:spTree>
+    <p:extLst>
+      <p:ext uri="{BB962C8B-B14F-4D97-AF65-F5344CB8AC3E}">
+        <p14:creationId xmlns:p14="http://schemas.microsoft.com/office/powerpoint/2010/main" val="1545401257"/>
+      </p:ext>
+    </p:extLst>
+  </p:cSld>
+  <p:clrMapOvr>
+    <a:masterClrMapping/>
+  </p:clrMapOvr>
+</p:sld>
+</file>
+
+<file path=ppt/slides/slide6.xml><?xml version="1.0" encoding="utf-8"?>
+<p:sld xmlns:a="http://schemas.openxmlformats.org/drawingml/2006/main" xmlns:r="http://schemas.openxmlformats.org/officeDocument/2006/relationships" xmlns:p="http://schemas.openxmlformats.org/presentationml/2006/main">
+  <p:cSld>
+    <p:spTree>
+      <p:nvGrpSpPr>
+        <p:cNvPr id="1" name=""/>
+        <p:cNvGrpSpPr/>
+        <p:nvPr/>
+      </p:nvGrpSpPr>
+      <p:grpSpPr>
+        <a:xfrm>
+          <a:off x="0" y="0"/>
+          <a:ext cx="0" cy="0"/>
+          <a:chOff x="0" y="0"/>
+          <a:chExt cx="0" cy="0"/>
+        </a:xfrm>
+      </p:grpSpPr>
+      <p:sp>
+        <p:nvSpPr>
+          <p:cNvPr id="2" name="Title 1">
+            <a:extLst>
+              <a:ext uri="{FF2B5EF4-FFF2-40B4-BE49-F238E27FC236}">
+                <a16:creationId xmlns:a16="http://schemas.microsoft.com/office/drawing/2014/main" id="{E52EA78B-5281-7041-9983-5016C716094E}"/>
+              </a:ext>
+            </a:extLst>
+          </p:cNvPr>
+          <p:cNvSpPr>
+            <a:spLocks noGrp="1"/>
+          </p:cNvSpPr>
+          <p:nvPr>
+            <p:ph type="ctrTitle"/>
+          </p:nvPr>
+        </p:nvSpPr>
+        <p:spPr/>
+        <p:txBody>
+          <a:bodyPr/>
+          <a:lstStyle/>
+          <a:p>
+            <a:r>
+              <a:rPr lang="en-US" dirty="0"/>
+              <a:t>Persona of a Gamer</a:t>
+            </a:r>
+          </a:p>
+        </p:txBody>
+      </p:sp>
+      <p:sp>
+        <p:nvSpPr>
+          <p:cNvPr id="4" name="TextBox 3">
+            <a:extLst>
+              <a:ext uri="{FF2B5EF4-FFF2-40B4-BE49-F238E27FC236}">
+                <a16:creationId xmlns:a16="http://schemas.microsoft.com/office/drawing/2014/main" id="{CE23F5A4-AFCA-C848-8973-164C283DA8AD}"/>
+              </a:ext>
+            </a:extLst>
+          </p:cNvPr>
+          <p:cNvSpPr txBox="1"/>
+          <p:nvPr/>
+        </p:nvSpPr>
+        <p:spPr>
+          <a:xfrm>
+            <a:off x="586216" y="3167743"/>
+            <a:ext cx="11019568" cy="3046988"/>
+          </a:xfrm>
+          <a:prstGeom prst="rect">
+            <a:avLst/>
+          </a:prstGeom>
+          <a:noFill/>
+        </p:spPr>
+        <p:txBody>
+          <a:bodyPr wrap="square" rtlCol="0">
+            <a:spAutoFit/>
+          </a:bodyPr>
+          <a:lstStyle/>
+          <a:p>
+            <a:r>
+              <a:rPr lang="en-US" sz="2400" dirty="0">
+                <a:solidFill>
+                  <a:schemeClr val="bg1"/>
+                </a:solidFill>
+              </a:rPr>
+              <a:t>Hi, I am Jessi</a:t>
+            </a:r>
+            <a:r>
+              <a:rPr lang="en-US" altLang="zh-CN" sz="2400" dirty="0">
+                <a:solidFill>
+                  <a:schemeClr val="bg1"/>
+                </a:solidFill>
+              </a:rPr>
+              <a:t>,</a:t>
+            </a:r>
+            <a:r>
+              <a:rPr lang="zh-CN" altLang="en-US" sz="2400" dirty="0">
+                <a:solidFill>
+                  <a:schemeClr val="bg1"/>
+                </a:solidFill>
+              </a:rPr>
+              <a:t> </a:t>
+            </a:r>
+            <a:r>
+              <a:rPr lang="en-US" altLang="zh-CN" sz="2400" dirty="0">
+                <a:solidFill>
+                  <a:schemeClr val="bg1"/>
+                </a:solidFill>
+              </a:rPr>
+              <a:t>a</a:t>
+            </a:r>
+            <a:r>
+              <a:rPr lang="en-US" sz="2400" dirty="0">
+                <a:solidFill>
+                  <a:schemeClr val="bg1"/>
+                </a:solidFill>
+              </a:rPr>
+              <a:t> Bachelor at Pace University. I’m a big fan of AAA PC gaming so I plan to buy a powerful laptop which can be used for heavy gaming as well as </a:t>
+            </a:r>
+            <a:r>
+              <a:rPr lang="en-US" altLang="zh-CN" sz="2400" dirty="0">
+                <a:solidFill>
+                  <a:schemeClr val="bg1"/>
+                </a:solidFill>
+              </a:rPr>
+              <a:t>course</a:t>
+            </a:r>
+            <a:r>
+              <a:rPr lang="en-US" sz="2400" dirty="0">
+                <a:solidFill>
+                  <a:schemeClr val="bg1"/>
+                </a:solidFill>
+              </a:rPr>
+              <a:t> work.  The existing PC websites only show the specs of the laptops. However, the gaming performance is not only related to the specs on the laptop.  The thermal strategy, </a:t>
+            </a:r>
+            <a:r>
+              <a:rPr lang="en-US" sz="2400" dirty="0" err="1">
+                <a:solidFill>
+                  <a:schemeClr val="bg1"/>
+                </a:solidFill>
+              </a:rPr>
+              <a:t>TDP</a:t>
+            </a:r>
+            <a:r>
+              <a:rPr lang="en-US" sz="2400" dirty="0">
+                <a:solidFill>
+                  <a:schemeClr val="bg1"/>
+                </a:solidFill>
+              </a:rPr>
+              <a:t> settings, power management, and even pre-installed software will affect the gaming performance in the real world. These detailed information are not shown on existing websites. It would be great to have a website to show me the real gaming performance of each laptop to help me make purchase decisions.</a:t>
+            </a:r>
+          </a:p>
+        </p:txBody>
+      </p:sp>
+    </p:spTree>
+    <p:extLst>
+      <p:ext uri="{BB962C8B-B14F-4D97-AF65-F5344CB8AC3E}">
+        <p14:creationId xmlns:p14="http://schemas.microsoft.com/office/powerpoint/2010/main" val="2994720429"/>
+      </p:ext>
+    </p:extLst>
+  </p:cSld>
+  <p:clrMapOvr>
+    <a:masterClrMapping/>
+  </p:clrMapOvr>
+</p:sld>
+</file>
+
+<file path=ppt/slides/slide7.xml><?xml version="1.0" encoding="utf-8"?>
 <p:sld xmlns:a="http://schemas.openxmlformats.org/drawingml/2006/main" xmlns:r="http://schemas.openxmlformats.org/officeDocument/2006/relationships" xmlns:p="http://schemas.openxmlformats.org/presentationml/2006/main">
   <p:cSld>
     <p:bg>
@@ -7013,7 +8663,7 @@
 </p:sld>
 </file>
 
-<file path=ppt/slides/slide6.xml><?xml version="1.0" encoding="utf-8"?>
+<file path=ppt/slides/slide8.xml><?xml version="1.0" encoding="utf-8"?>
 <p:sld xmlns:a="http://schemas.openxmlformats.org/drawingml/2006/main" xmlns:r="http://schemas.openxmlformats.org/officeDocument/2006/relationships" xmlns:p="http://schemas.openxmlformats.org/presentationml/2006/main">
   <p:cSld>
     <p:spTree>
@@ -7220,7 +8870,7 @@
 </p:sld>
 </file>
 
-<file path=ppt/slides/slide7.xml><?xml version="1.0" encoding="utf-8"?>
+<file path=ppt/slides/slide9.xml><?xml version="1.0" encoding="utf-8"?>
 <p:sld xmlns:a="http://schemas.openxmlformats.org/drawingml/2006/main" xmlns:r="http://schemas.openxmlformats.org/officeDocument/2006/relationships" xmlns:p="http://schemas.openxmlformats.org/presentationml/2006/main">
   <p:cSld>
     <p:spTree>
@@ -7463,1251 +9113,6 @@
   </p:cSld>
   <p:clrMapOvr>
     <a:masterClrMapping/>
-  </p:clrMapOvr>
-</p:sld>
-</file>
-
-<file path=ppt/slides/slide8.xml><?xml version="1.0" encoding="utf-8"?>
-<p:sld xmlns:a="http://schemas.openxmlformats.org/drawingml/2006/main" xmlns:r="http://schemas.openxmlformats.org/officeDocument/2006/relationships" xmlns:p="http://schemas.openxmlformats.org/presentationml/2006/main">
-  <p:cSld>
-    <p:bg>
-      <p:bgPr>
-        <a:solidFill>
-          <a:schemeClr val="bg1"/>
-        </a:solidFill>
-        <a:effectLst/>
-      </p:bgPr>
-    </p:bg>
-    <p:spTree>
-      <p:nvGrpSpPr>
-        <p:cNvPr id="1" name=""/>
-        <p:cNvGrpSpPr/>
-        <p:nvPr/>
-      </p:nvGrpSpPr>
-      <p:grpSpPr>
-        <a:xfrm>
-          <a:off x="0" y="0"/>
-          <a:ext cx="0" cy="0"/>
-          <a:chOff x="0" y="0"/>
-          <a:chExt cx="0" cy="0"/>
-        </a:xfrm>
-      </p:grpSpPr>
-      <p:sp useBgFill="1">
-        <p:nvSpPr>
-          <p:cNvPr id="16" name="Rectangle 7">
-            <a:extLst>
-              <a:ext uri="{FF2B5EF4-FFF2-40B4-BE49-F238E27FC236}">
-                <a16:creationId xmlns:a16="http://schemas.microsoft.com/office/drawing/2014/main" id="{9DD60C94-0C9C-47B7-BE88-045235ACCC6A}"/>
-              </a:ext>
-              <a:ext uri="{C183D7F6-B498-43B3-948B-1728B52AA6E4}">
-                <adec:decorative xmlns:adec="http://schemas.microsoft.com/office/drawing/2017/decorative" val="1"/>
-              </a:ext>
-            </a:extLst>
-          </p:cNvPr>
-          <p:cNvSpPr>
-            <a:spLocks noGrp="1" noRot="1" noChangeAspect="1" noMove="1" noResize="1" noEditPoints="1" noAdjustHandles="1" noChangeArrowheads="1" noChangeShapeType="1" noTextEdit="1"/>
-          </p:cNvSpPr>
-          <p:nvPr>
-            <p:extLst>
-              <p:ext uri="{386F3935-93C4-4BCD-93E2-E3B085C9AB24}">
-                <p16:designElem xmlns:p16="http://schemas.microsoft.com/office/powerpoint/2015/main" val="1"/>
-              </p:ext>
-            </p:extLst>
-          </p:nvPr>
-        </p:nvSpPr>
-        <p:spPr>
-          <a:xfrm>
-            <a:off x="0" y="0"/>
-            <a:ext cx="12192000" cy="6858000"/>
-          </a:xfrm>
-          <a:prstGeom prst="rect">
-            <a:avLst/>
-          </a:prstGeom>
-          <a:ln>
-            <a:noFill/>
-          </a:ln>
-        </p:spPr>
-        <p:style>
-          <a:lnRef idx="2">
-            <a:schemeClr val="accent1">
-              <a:shade val="50000"/>
-            </a:schemeClr>
-          </a:lnRef>
-          <a:fillRef idx="1">
-            <a:schemeClr val="accent1"/>
-          </a:fillRef>
-          <a:effectRef idx="0">
-            <a:schemeClr val="accent1"/>
-          </a:effectRef>
-          <a:fontRef idx="minor">
-            <a:schemeClr val="lt1"/>
-          </a:fontRef>
-        </p:style>
-        <p:txBody>
-          <a:bodyPr rtlCol="0" anchor="ctr"/>
-          <a:lstStyle/>
-          <a:p>
-            <a:pPr algn="ctr"/>
-            <a:endParaRPr lang="en-US"/>
-          </a:p>
-        </p:txBody>
-      </p:sp>
-      <p:sp>
-        <p:nvSpPr>
-          <p:cNvPr id="17" name="Rectangle 9">
-            <a:extLst>
-              <a:ext uri="{FF2B5EF4-FFF2-40B4-BE49-F238E27FC236}">
-                <a16:creationId xmlns:a16="http://schemas.microsoft.com/office/drawing/2014/main" id="{BFCF7016-AC99-433F-B943-24C3736E0602}"/>
-              </a:ext>
-              <a:ext uri="{C183D7F6-B498-43B3-948B-1728B52AA6E4}">
-                <adec:decorative xmlns:adec="http://schemas.microsoft.com/office/drawing/2017/decorative" val="1"/>
-              </a:ext>
-            </a:extLst>
-          </p:cNvPr>
-          <p:cNvSpPr>
-            <a:spLocks noGrp="1" noRot="1" noChangeAspect="1" noMove="1" noResize="1" noEditPoints="1" noAdjustHandles="1" noChangeArrowheads="1" noChangeShapeType="1" noTextEdit="1"/>
-          </p:cNvSpPr>
-          <p:nvPr>
-            <p:extLst>
-              <p:ext uri="{386F3935-93C4-4BCD-93E2-E3B085C9AB24}">
-                <p16:designElem xmlns:p16="http://schemas.microsoft.com/office/powerpoint/2015/main" val="1"/>
-              </p:ext>
-            </p:extLst>
-          </p:nvPr>
-        </p:nvSpPr>
-        <p:spPr>
-          <a:xfrm>
-            <a:off x="446533" y="457200"/>
-            <a:ext cx="7579574" cy="643614"/>
-          </a:xfrm>
-          <a:prstGeom prst="rect">
-            <a:avLst/>
-          </a:prstGeom>
-          <a:solidFill>
-            <a:schemeClr val="accent1"/>
-          </a:solidFill>
-          <a:ln>
-            <a:noFill/>
-          </a:ln>
-          <a:effectLst/>
-        </p:spPr>
-        <p:style>
-          <a:lnRef idx="1">
-            <a:schemeClr val="accent1"/>
-          </a:lnRef>
-          <a:fillRef idx="3">
-            <a:schemeClr val="accent1"/>
-          </a:fillRef>
-          <a:effectRef idx="2">
-            <a:schemeClr val="accent1"/>
-          </a:effectRef>
-          <a:fontRef idx="minor">
-            <a:schemeClr val="lt1"/>
-          </a:fontRef>
-        </p:style>
-      </p:sp>
-      <p:sp>
-        <p:nvSpPr>
-          <p:cNvPr id="18" name="Rectangle 11">
-            <a:extLst>
-              <a:ext uri="{FF2B5EF4-FFF2-40B4-BE49-F238E27FC236}">
-                <a16:creationId xmlns:a16="http://schemas.microsoft.com/office/drawing/2014/main" id="{A03737D1-A930-4E3E-9160-3CD4AEC72AB7}"/>
-              </a:ext>
-              <a:ext uri="{C183D7F6-B498-43B3-948B-1728B52AA6E4}">
-                <adec:decorative xmlns:adec="http://schemas.microsoft.com/office/drawing/2017/decorative" val="1"/>
-              </a:ext>
-            </a:extLst>
-          </p:cNvPr>
-          <p:cNvSpPr>
-            <a:spLocks noGrp="1" noRot="1" noChangeAspect="1" noMove="1" noResize="1" noEditPoints="1" noAdjustHandles="1" noChangeArrowheads="1" noChangeShapeType="1" noTextEdit="1"/>
-          </p:cNvSpPr>
-          <p:nvPr>
-            <p:extLst>
-              <p:ext uri="{386F3935-93C4-4BCD-93E2-E3B085C9AB24}">
-                <p16:designElem xmlns:p16="http://schemas.microsoft.com/office/powerpoint/2015/main" val="1"/>
-              </p:ext>
-            </p:extLst>
-          </p:nvPr>
-        </p:nvSpPr>
-        <p:spPr>
-          <a:xfrm>
-            <a:off x="8129871" y="453642"/>
-            <a:ext cx="3615596" cy="645113"/>
-          </a:xfrm>
-          <a:prstGeom prst="rect">
-            <a:avLst/>
-          </a:prstGeom>
-          <a:solidFill>
-            <a:schemeClr val="accent4"/>
-          </a:solidFill>
-          <a:ln>
-            <a:noFill/>
-          </a:ln>
-          <a:effectLst/>
-        </p:spPr>
-        <p:style>
-          <a:lnRef idx="1">
-            <a:schemeClr val="accent1"/>
-          </a:lnRef>
-          <a:fillRef idx="3">
-            <a:schemeClr val="accent1"/>
-          </a:fillRef>
-          <a:effectRef idx="2">
-            <a:schemeClr val="accent1"/>
-          </a:effectRef>
-          <a:fontRef idx="minor">
-            <a:schemeClr val="lt1"/>
-          </a:fontRef>
-        </p:style>
-      </p:sp>
-      <p:sp>
-        <p:nvSpPr>
-          <p:cNvPr id="19" name="Rectangle 13">
-            <a:extLst>
-              <a:ext uri="{FF2B5EF4-FFF2-40B4-BE49-F238E27FC236}">
-                <a16:creationId xmlns:a16="http://schemas.microsoft.com/office/drawing/2014/main" id="{F71CFF33-010E-4E26-A285-83B182982358}"/>
-              </a:ext>
-              <a:ext uri="{C183D7F6-B498-43B3-948B-1728B52AA6E4}">
-                <adec:decorative xmlns:adec="http://schemas.microsoft.com/office/drawing/2017/decorative" val="1"/>
-              </a:ext>
-            </a:extLst>
-          </p:cNvPr>
-          <p:cNvSpPr>
-            <a:spLocks noGrp="1" noRot="1" noChangeAspect="1" noMove="1" noResize="1" noEditPoints="1" noAdjustHandles="1" noChangeArrowheads="1" noChangeShapeType="1" noTextEdit="1"/>
-          </p:cNvSpPr>
-          <p:nvPr>
-            <p:extLst>
-              <p:ext uri="{386F3935-93C4-4BCD-93E2-E3B085C9AB24}">
-                <p16:designElem xmlns:p16="http://schemas.microsoft.com/office/powerpoint/2015/main" val="1"/>
-              </p:ext>
-            </p:extLst>
-          </p:nvPr>
-        </p:nvSpPr>
-        <p:spPr>
-          <a:xfrm>
-            <a:off x="446533" y="5707627"/>
-            <a:ext cx="11293913" cy="649224"/>
-          </a:xfrm>
-          <a:prstGeom prst="rect">
-            <a:avLst/>
-          </a:prstGeom>
-          <a:solidFill>
-            <a:srgbClr val="465359"/>
-          </a:solidFill>
-          <a:ln>
-            <a:noFill/>
-          </a:ln>
-          <a:effectLst/>
-        </p:spPr>
-        <p:style>
-          <a:lnRef idx="1">
-            <a:schemeClr val="accent1"/>
-          </a:lnRef>
-          <a:fillRef idx="3">
-            <a:schemeClr val="accent1"/>
-          </a:fillRef>
-          <a:effectRef idx="2">
-            <a:schemeClr val="accent1"/>
-          </a:effectRef>
-          <a:fontRef idx="minor">
-            <a:schemeClr val="lt1"/>
-          </a:fontRef>
-        </p:style>
-      </p:sp>
-      <p:graphicFrame>
-        <p:nvGraphicFramePr>
-          <p:cNvPr id="4" name="Table 4">
-            <a:extLst>
-              <a:ext uri="{FF2B5EF4-FFF2-40B4-BE49-F238E27FC236}">
-                <a16:creationId xmlns:a16="http://schemas.microsoft.com/office/drawing/2014/main" id="{88CAD12B-BAEA-43ED-A071-763985197FD5}"/>
-              </a:ext>
-            </a:extLst>
-          </p:cNvPr>
-          <p:cNvGraphicFramePr>
-            <a:graphicFrameLocks noGrp="1"/>
-          </p:cNvGraphicFramePr>
-          <p:nvPr>
-            <p:extLst>
-              <p:ext uri="{D42A27DB-BD31-4B8C-83A1-F6EECF244321}">
-                <p14:modId xmlns:p14="http://schemas.microsoft.com/office/powerpoint/2010/main" val="2508782828"/>
-              </p:ext>
-            </p:extLst>
-          </p:nvPr>
-        </p:nvGraphicFramePr>
-        <p:xfrm>
-          <a:off x="446533" y="1158977"/>
-          <a:ext cx="11293912" cy="5675745"/>
-        </p:xfrm>
-        <a:graphic>
-          <a:graphicData uri="http://schemas.openxmlformats.org/drawingml/2006/table">
-            <a:tbl>
-              <a:tblPr firstRow="1" bandRow="1">
-                <a:tableStyleId>{5C22544A-7EE6-4342-B048-85BDC9FD1C3A}</a:tableStyleId>
-              </a:tblPr>
-              <a:tblGrid>
-                <a:gridCol w="1607553">
-                  <a:extLst>
-                    <a:ext uri="{9D8B030D-6E8A-4147-A177-3AD203B41FA5}">
-                      <a16:colId xmlns:a16="http://schemas.microsoft.com/office/drawing/2014/main" val="3082778250"/>
-                    </a:ext>
-                  </a:extLst>
-                </a:gridCol>
-                <a:gridCol w="4039403">
-                  <a:extLst>
-                    <a:ext uri="{9D8B030D-6E8A-4147-A177-3AD203B41FA5}">
-                      <a16:colId xmlns:a16="http://schemas.microsoft.com/office/drawing/2014/main" val="2923575896"/>
-                    </a:ext>
-                  </a:extLst>
-                </a:gridCol>
-                <a:gridCol w="1685536">
-                  <a:extLst>
-                    <a:ext uri="{9D8B030D-6E8A-4147-A177-3AD203B41FA5}">
-                      <a16:colId xmlns:a16="http://schemas.microsoft.com/office/drawing/2014/main" val="949953039"/>
-                    </a:ext>
-                  </a:extLst>
-                </a:gridCol>
-                <a:gridCol w="3961420">
-                  <a:extLst>
-                    <a:ext uri="{9D8B030D-6E8A-4147-A177-3AD203B41FA5}">
-                      <a16:colId xmlns:a16="http://schemas.microsoft.com/office/drawing/2014/main" val="1188640633"/>
-                    </a:ext>
-                  </a:extLst>
-                </a:gridCol>
-              </a:tblGrid>
-              <a:tr h="352301">
-                <a:tc>
-                  <a:txBody>
-                    <a:bodyPr/>
-                    <a:lstStyle/>
-                    <a:p>
-                      <a:r>
-                        <a:rPr lang="en-US" dirty="0"/>
-                        <a:t>Scenario</a:t>
-                      </a:r>
-                    </a:p>
-                  </a:txBody>
-                  <a:tcPr/>
-                </a:tc>
-                <a:tc>
-                  <a:txBody>
-                    <a:bodyPr/>
-                    <a:lstStyle/>
-                    <a:p>
-                      <a:r>
-                        <a:rPr lang="en-US" dirty="0"/>
-                        <a:t>Test Cases</a:t>
-                      </a:r>
-                    </a:p>
-                  </a:txBody>
-                  <a:tcPr/>
-                </a:tc>
-                <a:tc>
-                  <a:txBody>
-                    <a:bodyPr/>
-                    <a:lstStyle/>
-                    <a:p>
-                      <a:r>
-                        <a:rPr lang="en-US" dirty="0"/>
-                        <a:t>Test Data</a:t>
-                      </a:r>
-                    </a:p>
-                  </a:txBody>
-                  <a:tcPr/>
-                </a:tc>
-                <a:tc>
-                  <a:txBody>
-                    <a:bodyPr/>
-                    <a:lstStyle/>
-                    <a:p>
-                      <a:r>
-                        <a:rPr lang="en-US" dirty="0"/>
-                        <a:t>Expected Result</a:t>
-                      </a:r>
-                    </a:p>
-                  </a:txBody>
-                  <a:tcPr/>
-                </a:tc>
-                <a:extLst>
-                  <a:ext uri="{0D108BD9-81ED-4DB2-BD59-A6C34878D82A}">
-                    <a16:rowId xmlns:a16="http://schemas.microsoft.com/office/drawing/2014/main" val="2685766574"/>
-                  </a:ext>
-                </a:extLst>
-              </a:tr>
-              <a:tr h="352301">
-                <a:tc>
-                  <a:txBody>
-                    <a:bodyPr/>
-                    <a:lstStyle/>
-                    <a:p>
-                      <a:endParaRPr lang="en-US" dirty="0"/>
-                    </a:p>
-                  </a:txBody>
-                  <a:tcPr/>
-                </a:tc>
-                <a:tc>
-                  <a:txBody>
-                    <a:bodyPr/>
-                    <a:lstStyle/>
-                    <a:p>
-                      <a:endParaRPr lang="en-US"/>
-                    </a:p>
-                  </a:txBody>
-                  <a:tcPr/>
-                </a:tc>
-                <a:tc>
-                  <a:txBody>
-                    <a:bodyPr/>
-                    <a:lstStyle/>
-                    <a:p>
-                      <a:endParaRPr lang="en-US"/>
-                    </a:p>
-                  </a:txBody>
-                  <a:tcPr/>
-                </a:tc>
-                <a:tc>
-                  <a:txBody>
-                    <a:bodyPr/>
-                    <a:lstStyle/>
-                    <a:p>
-                      <a:endParaRPr lang="en-US"/>
-                    </a:p>
-                  </a:txBody>
-                  <a:tcPr/>
-                </a:tc>
-                <a:extLst>
-                  <a:ext uri="{0D108BD9-81ED-4DB2-BD59-A6C34878D82A}">
-                    <a16:rowId xmlns:a16="http://schemas.microsoft.com/office/drawing/2014/main" val="3175749403"/>
-                  </a:ext>
-                </a:extLst>
-              </a:tr>
-              <a:tr h="1857306">
-                <a:tc>
-                  <a:txBody>
-                    <a:bodyPr/>
-                    <a:lstStyle/>
-                    <a:p>
-                      <a:r>
-                        <a:rPr lang="en-US" dirty="0"/>
-                        <a:t>Create Account</a:t>
-                      </a:r>
-                    </a:p>
-                  </a:txBody>
-                  <a:tcPr/>
-                </a:tc>
-                <a:tc>
-                  <a:txBody>
-                    <a:bodyPr/>
-                    <a:lstStyle/>
-                    <a:p>
-                      <a:pPr marL="285750" indent="-285750">
-                        <a:buFont typeface="Arial" panose="020B0604020202020204" pitchFamily="34" charset="0"/>
-                        <a:buChar char="•"/>
-                      </a:pPr>
-                      <a:r>
-                        <a:rPr lang="en-US" sz="1600" dirty="0"/>
-                        <a:t>Sign up with Email and password </a:t>
-                      </a:r>
-                    </a:p>
-                    <a:p>
-                      <a:pPr marL="285750" indent="-285750">
-                        <a:buFont typeface="Arial" panose="020B0604020202020204" pitchFamily="34" charset="0"/>
-                        <a:buChar char="•"/>
-                      </a:pPr>
-                      <a:r>
-                        <a:rPr lang="en-US" sz="1600" dirty="0"/>
-                        <a:t>Error if the Email is not in correct format </a:t>
-                      </a:r>
-                    </a:p>
-                    <a:p>
-                      <a:pPr marL="285750" indent="-285750">
-                        <a:buFont typeface="Arial" panose="020B0604020202020204" pitchFamily="34" charset="0"/>
-                        <a:buChar char="•"/>
-                      </a:pPr>
-                      <a:r>
-                        <a:rPr lang="en-US" sz="1600" dirty="0"/>
-                        <a:t>Remind User if Password is wrong</a:t>
-                      </a:r>
-                    </a:p>
-                    <a:p>
-                      <a:pPr marL="285750" indent="-285750">
-                        <a:buFont typeface="Arial" panose="020B0604020202020204" pitchFamily="34" charset="0"/>
-                        <a:buChar char="•"/>
-                      </a:pPr>
-                      <a:r>
-                        <a:rPr lang="en-US" sz="1600" dirty="0"/>
-                        <a:t>Remind User if Password is shorter than 6 characters.</a:t>
-                      </a:r>
-                    </a:p>
-                    <a:p>
-                      <a:pPr marL="285750" indent="-285750">
-                        <a:buFont typeface="Arial" panose="020B0604020202020204" pitchFamily="34" charset="0"/>
-                        <a:buChar char="•"/>
-                      </a:pPr>
-                      <a:r>
-                        <a:rPr lang="en-US" sz="1600" dirty="0"/>
-                        <a:t>Successful Register after input Email, Password in correct format</a:t>
-                      </a:r>
-                    </a:p>
-                  </a:txBody>
-                  <a:tcPr/>
-                </a:tc>
-                <a:tc>
-                  <a:txBody>
-                    <a:bodyPr/>
-                    <a:lstStyle/>
-                    <a:p>
-                      <a:r>
-                        <a:rPr lang="en-US" sz="1600" dirty="0"/>
-                        <a:t>Email:</a:t>
-                      </a:r>
-                    </a:p>
-                    <a:p>
-                      <a:r>
-                        <a:rPr lang="en-US" sz="1600" dirty="0">
-                          <a:hlinkClick r:id="rId2"/>
-                        </a:rPr>
-                        <a:t>applebee@gmail.com</a:t>
-                      </a:r>
-                      <a:endParaRPr lang="en-US" sz="1600" dirty="0"/>
-                    </a:p>
-                    <a:p>
-                      <a:r>
-                        <a:rPr lang="en-US" sz="1600" dirty="0"/>
-                        <a:t>Password:</a:t>
-                      </a:r>
-                    </a:p>
-                    <a:p>
-                      <a:r>
-                        <a:rPr lang="en-US" sz="1600" dirty="0"/>
-                        <a:t>111345p</a:t>
-                      </a:r>
-                    </a:p>
-                  </a:txBody>
-                  <a:tcPr/>
-                </a:tc>
-                <a:tc>
-                  <a:txBody>
-                    <a:bodyPr/>
-                    <a:lstStyle/>
-                    <a:p>
-                      <a:pPr marL="285750" indent="-285750">
-                        <a:buFont typeface="Arial" panose="020B0604020202020204" pitchFamily="34" charset="0"/>
-                        <a:buChar char="•"/>
-                      </a:pPr>
-                      <a:r>
-                        <a:rPr lang="en-US" sz="1300" dirty="0"/>
-                        <a:t>User should complete registration and be redirected to their Home page.</a:t>
-                      </a:r>
-                    </a:p>
-                    <a:p>
-                      <a:pPr marL="285750" indent="-285750">
-                        <a:buFont typeface="Arial" panose="020B0604020202020204" pitchFamily="34" charset="0"/>
-                        <a:buChar char="•"/>
-                      </a:pPr>
-                      <a:r>
-                        <a:rPr lang="en-US" sz="1300" dirty="0"/>
-                        <a:t>Only Email with certain format can register. If not, an error message : “</a:t>
-                      </a:r>
-                      <a:r>
-                        <a:rPr lang="en-US" sz="1300" b="0" i="0" kern="1200" dirty="0">
-                          <a:solidFill>
-                            <a:schemeClr val="dk1"/>
-                          </a:solidFill>
-                          <a:effectLst/>
-                          <a:latin typeface="+mn-lt"/>
-                          <a:ea typeface="+mn-ea"/>
-                          <a:cs typeface="+mn-cs"/>
-                        </a:rPr>
-                        <a:t>The email address is badly formatted.” will pop up.</a:t>
-                      </a:r>
-                    </a:p>
-                    <a:p>
-                      <a:pPr marL="285750" indent="-285750">
-                        <a:buFont typeface="Arial" panose="020B0604020202020204" pitchFamily="34" charset="0"/>
-                        <a:buChar char="•"/>
-                      </a:pPr>
-                      <a:r>
-                        <a:rPr lang="en-US" sz="1300" b="0" i="0" kern="1200" dirty="0">
-                          <a:solidFill>
-                            <a:schemeClr val="dk1"/>
-                          </a:solidFill>
-                          <a:effectLst/>
-                          <a:latin typeface="+mn-lt"/>
-                          <a:ea typeface="+mn-ea"/>
-                          <a:cs typeface="+mn-cs"/>
-                        </a:rPr>
-                        <a:t>Incorrect Password will get an error message: “The password is invalid.”</a:t>
-                      </a:r>
-                    </a:p>
-                    <a:p>
-                      <a:pPr marL="285750" indent="-285750">
-                        <a:buFont typeface="Arial" panose="020B0604020202020204" pitchFamily="34" charset="0"/>
-                        <a:buChar char="•"/>
-                      </a:pPr>
-                      <a:r>
-                        <a:rPr lang="en-US" sz="1300" b="0" i="0" kern="1200" dirty="0">
-                          <a:solidFill>
-                            <a:schemeClr val="dk1"/>
-                          </a:solidFill>
-                          <a:effectLst/>
-                          <a:latin typeface="+mn-lt"/>
-                          <a:ea typeface="+mn-ea"/>
-                          <a:cs typeface="+mn-cs"/>
-                        </a:rPr>
-                        <a:t>After User registers, they will be automatically sent to Home page.</a:t>
-                      </a:r>
-                    </a:p>
-                  </a:txBody>
-                  <a:tcPr/>
-                </a:tc>
-                <a:extLst>
-                  <a:ext uri="{0D108BD9-81ED-4DB2-BD59-A6C34878D82A}">
-                    <a16:rowId xmlns:a16="http://schemas.microsoft.com/office/drawing/2014/main" val="37648768"/>
-                  </a:ext>
-                </a:extLst>
-              </a:tr>
-              <a:tr h="193295">
-                <a:tc>
-                  <a:txBody>
-                    <a:bodyPr/>
-                    <a:lstStyle/>
-                    <a:p>
-                      <a:endParaRPr lang="en-US" dirty="0"/>
-                    </a:p>
-                  </a:txBody>
-                  <a:tcPr/>
-                </a:tc>
-                <a:tc>
-                  <a:txBody>
-                    <a:bodyPr/>
-                    <a:lstStyle/>
-                    <a:p>
-                      <a:endParaRPr lang="en-US" dirty="0"/>
-                    </a:p>
-                  </a:txBody>
-                  <a:tcPr/>
-                </a:tc>
-                <a:tc>
-                  <a:txBody>
-                    <a:bodyPr/>
-                    <a:lstStyle/>
-                    <a:p>
-                      <a:endParaRPr lang="en-US"/>
-                    </a:p>
-                  </a:txBody>
-                  <a:tcPr/>
-                </a:tc>
-                <a:tc>
-                  <a:txBody>
-                    <a:bodyPr/>
-                    <a:lstStyle/>
-                    <a:p>
-                      <a:endParaRPr lang="en-US" dirty="0"/>
-                    </a:p>
-                  </a:txBody>
-                  <a:tcPr/>
-                </a:tc>
-                <a:extLst>
-                  <a:ext uri="{0D108BD9-81ED-4DB2-BD59-A6C34878D82A}">
-                    <a16:rowId xmlns:a16="http://schemas.microsoft.com/office/drawing/2014/main" val="2279490964"/>
-                  </a:ext>
-                </a:extLst>
-              </a:tr>
-              <a:tr h="1262412">
-                <a:tc>
-                  <a:txBody>
-                    <a:bodyPr/>
-                    <a:lstStyle/>
-                    <a:p>
-                      <a:r>
-                        <a:rPr lang="en-US" dirty="0"/>
-                        <a:t>Login Form</a:t>
-                      </a:r>
-                    </a:p>
-                  </a:txBody>
-                  <a:tcPr/>
-                </a:tc>
-                <a:tc>
-                  <a:txBody>
-                    <a:bodyPr/>
-                    <a:lstStyle/>
-                    <a:p>
-                      <a:pPr marL="285750" indent="-285750">
-                        <a:buFont typeface="Arial" panose="020B0604020202020204" pitchFamily="34" charset="0"/>
-                        <a:buChar char="•"/>
-                      </a:pPr>
-                      <a:r>
-                        <a:rPr lang="en-US" sz="1600" dirty="0"/>
-                        <a:t>Sign in with valid Email address and password</a:t>
-                      </a:r>
-                    </a:p>
-                    <a:p>
-                      <a:pPr marL="285750" indent="-285750">
-                        <a:buFont typeface="Arial" panose="020B0604020202020204" pitchFamily="34" charset="0"/>
-                        <a:buChar char="•"/>
-                      </a:pPr>
-                      <a:r>
-                        <a:rPr lang="en-US" sz="1600" dirty="0"/>
-                        <a:t>Reach User’s Home page</a:t>
-                      </a:r>
-                    </a:p>
-                    <a:p>
-                      <a:pPr marL="285750" indent="-285750">
-                        <a:buFont typeface="Arial" panose="020B0604020202020204" pitchFamily="34" charset="0"/>
-                        <a:buChar char="•"/>
-                      </a:pPr>
-                      <a:r>
-                        <a:rPr lang="en-US" sz="1600" dirty="0"/>
-                        <a:t>Error message for too many incorrect attempts</a:t>
-                      </a:r>
-                    </a:p>
-                  </a:txBody>
-                  <a:tcPr/>
-                </a:tc>
-                <a:tc>
-                  <a:txBody>
-                    <a:bodyPr/>
-                    <a:lstStyle/>
-                    <a:p>
-                      <a:r>
-                        <a:rPr lang="en-US" sz="1600" dirty="0"/>
-                        <a:t>Same Email and Password From Register </a:t>
-                      </a:r>
-                    </a:p>
-                  </a:txBody>
-                  <a:tcPr/>
-                </a:tc>
-                <a:tc>
-                  <a:txBody>
-                    <a:bodyPr/>
-                    <a:lstStyle/>
-                    <a:p>
-                      <a:pPr marL="285750" indent="-285750">
-                        <a:buFont typeface="Arial" panose="020B0604020202020204" pitchFamily="34" charset="0"/>
-                        <a:buChar char="•"/>
-                      </a:pPr>
-                      <a:r>
-                        <a:rPr lang="en-US" sz="1300" dirty="0"/>
-                        <a:t>User should be able to login with email and password.</a:t>
-                      </a:r>
-                    </a:p>
-                    <a:p>
-                      <a:pPr marL="285750" indent="-285750">
-                        <a:buFont typeface="Arial" panose="020B0604020202020204" pitchFamily="34" charset="0"/>
-                        <a:buChar char="•"/>
-                      </a:pPr>
-                      <a:r>
-                        <a:rPr lang="en-US" sz="1300" dirty="0"/>
-                        <a:t>They will redirect to homepage after login</a:t>
-                      </a:r>
-                    </a:p>
-                    <a:p>
-                      <a:pPr marL="285750" indent="-285750">
-                        <a:buFont typeface="Arial" panose="020B0604020202020204" pitchFamily="34" charset="0"/>
-                        <a:buChar char="•"/>
-                      </a:pPr>
-                      <a:r>
-                        <a:rPr lang="en-US" sz="1300" dirty="0"/>
-                        <a:t>Message: “too many attempts” will pop up to prevent bot spam.</a:t>
-                      </a:r>
-                    </a:p>
-                  </a:txBody>
-                  <a:tcPr/>
-                </a:tc>
-                <a:extLst>
-                  <a:ext uri="{0D108BD9-81ED-4DB2-BD59-A6C34878D82A}">
-                    <a16:rowId xmlns:a16="http://schemas.microsoft.com/office/drawing/2014/main" val="3966217764"/>
-                  </a:ext>
-                </a:extLst>
-              </a:tr>
-              <a:tr h="211091">
-                <a:tc>
-                  <a:txBody>
-                    <a:bodyPr/>
-                    <a:lstStyle/>
-                    <a:p>
-                      <a:endParaRPr lang="en-US" dirty="0"/>
-                    </a:p>
-                  </a:txBody>
-                  <a:tcPr/>
-                </a:tc>
-                <a:tc>
-                  <a:txBody>
-                    <a:bodyPr/>
-                    <a:lstStyle/>
-                    <a:p>
-                      <a:endParaRPr lang="en-US"/>
-                    </a:p>
-                  </a:txBody>
-                  <a:tcPr/>
-                </a:tc>
-                <a:tc>
-                  <a:txBody>
-                    <a:bodyPr/>
-                    <a:lstStyle/>
-                    <a:p>
-                      <a:endParaRPr lang="en-US" dirty="0"/>
-                    </a:p>
-                  </a:txBody>
-                  <a:tcPr/>
-                </a:tc>
-                <a:tc>
-                  <a:txBody>
-                    <a:bodyPr/>
-                    <a:lstStyle/>
-                    <a:p>
-                      <a:endParaRPr lang="en-US" dirty="0"/>
-                    </a:p>
-                  </a:txBody>
-                  <a:tcPr/>
-                </a:tc>
-                <a:extLst>
-                  <a:ext uri="{0D108BD9-81ED-4DB2-BD59-A6C34878D82A}">
-                    <a16:rowId xmlns:a16="http://schemas.microsoft.com/office/drawing/2014/main" val="3820840783"/>
-                  </a:ext>
-                </a:extLst>
-              </a:tr>
-              <a:tr h="1027545">
-                <a:tc>
-                  <a:txBody>
-                    <a:bodyPr/>
-                    <a:lstStyle/>
-                    <a:p>
-                      <a:r>
-                        <a:rPr lang="en-US" dirty="0"/>
-                        <a:t>Log Out </a:t>
-                      </a:r>
-                    </a:p>
-                  </a:txBody>
-                  <a:tcPr/>
-                </a:tc>
-                <a:tc>
-                  <a:txBody>
-                    <a:bodyPr/>
-                    <a:lstStyle/>
-                    <a:p>
-                      <a:pPr marL="285750" indent="-285750">
-                        <a:buFont typeface="Arial" panose="020B0604020202020204" pitchFamily="34" charset="0"/>
-                        <a:buChar char="•"/>
-                      </a:pPr>
-                      <a:r>
-                        <a:rPr lang="en-US" sz="1400" dirty="0"/>
-                        <a:t>After entering to user’s page, refreshing the page will not redirect.</a:t>
-                      </a:r>
-                    </a:p>
-                    <a:p>
-                      <a:pPr marL="285750" indent="-285750">
-                        <a:buFont typeface="Arial" panose="020B0604020202020204" pitchFamily="34" charset="0"/>
-                        <a:buChar char="•"/>
-                      </a:pPr>
-                      <a:r>
-                        <a:rPr lang="en-US" sz="1400" dirty="0"/>
-                        <a:t>Click Log Out button can redirect back to Login/Register Page.</a:t>
-                      </a:r>
-                    </a:p>
-                  </a:txBody>
-                  <a:tcPr/>
-                </a:tc>
-                <a:tc>
-                  <a:txBody>
-                    <a:bodyPr/>
-                    <a:lstStyle/>
-                    <a:p>
-                      <a:endParaRPr lang="en-US" dirty="0"/>
-                    </a:p>
-                  </a:txBody>
-                  <a:tcPr/>
-                </a:tc>
-                <a:tc>
-                  <a:txBody>
-                    <a:bodyPr/>
-                    <a:lstStyle/>
-                    <a:p>
-                      <a:pPr marL="285750" indent="-285750">
-                        <a:buFont typeface="Arial" panose="020B0604020202020204" pitchFamily="34" charset="0"/>
-                        <a:buChar char="•"/>
-                      </a:pPr>
-                      <a:r>
-                        <a:rPr lang="en-US" sz="1300" dirty="0"/>
-                        <a:t>Refresh page will not drop user connection. They will stay logged in until manually logged out.</a:t>
-                      </a:r>
-                    </a:p>
-                    <a:p>
-                      <a:pPr marL="285750" indent="-285750">
-                        <a:buFont typeface="Arial" panose="020B0604020202020204" pitchFamily="34" charset="0"/>
-                        <a:buChar char="•"/>
-                      </a:pPr>
-                      <a:endParaRPr lang="en-US" sz="1300" dirty="0"/>
-                    </a:p>
-                    <a:p>
-                      <a:pPr marL="285750" indent="-285750">
-                        <a:buFont typeface="Arial" panose="020B0604020202020204" pitchFamily="34" charset="0"/>
-                        <a:buChar char="•"/>
-                      </a:pPr>
-                      <a:endParaRPr lang="en-US" dirty="0"/>
-                    </a:p>
-                  </a:txBody>
-                  <a:tcPr/>
-                </a:tc>
-                <a:extLst>
-                  <a:ext uri="{0D108BD9-81ED-4DB2-BD59-A6C34878D82A}">
-                    <a16:rowId xmlns:a16="http://schemas.microsoft.com/office/drawing/2014/main" val="3926232150"/>
-                  </a:ext>
-                </a:extLst>
-              </a:tr>
-            </a:tbl>
-          </a:graphicData>
-        </a:graphic>
-      </p:graphicFrame>
-      <p:sp>
-        <p:nvSpPr>
-          <p:cNvPr id="7" name="TextBox 6">
-            <a:extLst>
-              <a:ext uri="{FF2B5EF4-FFF2-40B4-BE49-F238E27FC236}">
-                <a16:creationId xmlns:a16="http://schemas.microsoft.com/office/drawing/2014/main" id="{A688AB2E-7519-472C-A76E-817291CF75AD}"/>
-              </a:ext>
-            </a:extLst>
-          </p:cNvPr>
-          <p:cNvSpPr txBox="1"/>
-          <p:nvPr/>
-        </p:nvSpPr>
-        <p:spPr>
-          <a:xfrm>
-            <a:off x="795130" y="453642"/>
-            <a:ext cx="5910470" cy="369332"/>
-          </a:xfrm>
-          <a:prstGeom prst="rect">
-            <a:avLst/>
-          </a:prstGeom>
-          <a:noFill/>
-        </p:spPr>
-        <p:txBody>
-          <a:bodyPr wrap="square" rtlCol="0">
-            <a:spAutoFit/>
-          </a:bodyPr>
-          <a:lstStyle/>
-          <a:p>
-            <a:r>
-              <a:rPr lang="en-US" dirty="0"/>
-              <a:t>Test Case</a:t>
-            </a:r>
-          </a:p>
-        </p:txBody>
-      </p:sp>
-    </p:spTree>
-    <p:extLst>
-      <p:ext uri="{BB962C8B-B14F-4D97-AF65-F5344CB8AC3E}">
-        <p14:creationId xmlns:p14="http://schemas.microsoft.com/office/powerpoint/2010/main" val="3492448924"/>
-      </p:ext>
-    </p:extLst>
-  </p:cSld>
-  <p:clrMapOvr>
-    <a:masterClrMapping/>
-  </p:clrMapOvr>
-</p:sld>
-</file>
-
-<file path=ppt/slides/slide9.xml><?xml version="1.0" encoding="utf-8"?>
-<p:sld xmlns:a="http://schemas.openxmlformats.org/drawingml/2006/main" xmlns:r="http://schemas.openxmlformats.org/officeDocument/2006/relationships" xmlns:p="http://schemas.openxmlformats.org/presentationml/2006/main">
-  <p:cSld>
-    <p:bg>
-      <p:bgPr>
-        <a:solidFill>
-          <a:schemeClr val="bg2"/>
-        </a:solidFill>
-        <a:effectLst/>
-      </p:bgPr>
-    </p:bg>
-    <p:spTree>
-      <p:nvGrpSpPr>
-        <p:cNvPr id="1" name=""/>
-        <p:cNvGrpSpPr/>
-        <p:nvPr/>
-      </p:nvGrpSpPr>
-      <p:grpSpPr>
-        <a:xfrm>
-          <a:off x="0" y="0"/>
-          <a:ext cx="0" cy="0"/>
-          <a:chOff x="0" y="0"/>
-          <a:chExt cx="0" cy="0"/>
-        </a:xfrm>
-      </p:grpSpPr>
-      <p:sp>
-        <p:nvSpPr>
-          <p:cNvPr id="9" name="Rectangle 8">
-            <a:extLst>
-              <a:ext uri="{FF2B5EF4-FFF2-40B4-BE49-F238E27FC236}">
-                <a16:creationId xmlns:a16="http://schemas.microsoft.com/office/drawing/2014/main" id="{85A71294-C247-450A-BB34-6E68648C95D8}"/>
-              </a:ext>
-              <a:ext uri="{C183D7F6-B498-43B3-948B-1728B52AA6E4}">
-                <adec:decorative xmlns:adec="http://schemas.microsoft.com/office/drawing/2017/decorative" val="1"/>
-              </a:ext>
-            </a:extLst>
-          </p:cNvPr>
-          <p:cNvSpPr>
-            <a:spLocks noGrp="1" noRot="1" noChangeAspect="1" noMove="1" noResize="1" noEditPoints="1" noAdjustHandles="1" noChangeArrowheads="1" noChangeShapeType="1" noTextEdit="1"/>
-          </p:cNvSpPr>
-          <p:nvPr>
-            <p:extLst>
-              <p:ext uri="{386F3935-93C4-4BCD-93E2-E3B085C9AB24}">
-                <p16:designElem xmlns:p16="http://schemas.microsoft.com/office/powerpoint/2015/main" val="1"/>
-              </p:ext>
-            </p:extLst>
-          </p:nvPr>
-        </p:nvSpPr>
-        <p:spPr>
-          <a:xfrm>
-            <a:off x="0" y="0"/>
-            <a:ext cx="12192000" cy="6858000"/>
-          </a:xfrm>
-          <a:prstGeom prst="rect">
-            <a:avLst/>
-          </a:prstGeom>
-          <a:solidFill>
-            <a:srgbClr val="FFFFFF"/>
-          </a:solidFill>
-          <a:ln>
-            <a:noFill/>
-          </a:ln>
-        </p:spPr>
-        <p:style>
-          <a:lnRef idx="2">
-            <a:schemeClr val="accent1">
-              <a:shade val="50000"/>
-            </a:schemeClr>
-          </a:lnRef>
-          <a:fillRef idx="1">
-            <a:schemeClr val="accent1"/>
-          </a:fillRef>
-          <a:effectRef idx="0">
-            <a:schemeClr val="accent1"/>
-          </a:effectRef>
-          <a:fontRef idx="minor">
-            <a:schemeClr val="lt1"/>
-          </a:fontRef>
-        </p:style>
-        <p:txBody>
-          <a:bodyPr rtlCol="0" anchor="ctr"/>
-          <a:lstStyle/>
-          <a:p>
-            <a:pPr marL="0" marR="0" lvl="0" indent="0" algn="ctr" defTabSz="457200" rtl="0" eaLnBrk="1" fontAlgn="auto" latinLnBrk="0" hangingPunct="1">
-              <a:lnSpc>
-                <a:spcPct val="100000"/>
-              </a:lnSpc>
-              <a:spcBef>
-                <a:spcPts val="0"/>
-              </a:spcBef>
-              <a:spcAft>
-                <a:spcPts val="0"/>
-              </a:spcAft>
-              <a:buClrTx/>
-              <a:buSzTx/>
-              <a:buFontTx/>
-              <a:buNone/>
-              <a:tabLst/>
-              <a:defRPr/>
-            </a:pPr>
-            <a:endParaRPr kumimoji="0" lang="en-US" sz="1800" b="0" i="0" u="none" strike="noStrike" kern="1200" cap="none" spc="0" normalizeH="0" baseline="0" noProof="0">
-              <a:ln>
-                <a:noFill/>
-              </a:ln>
-              <a:solidFill>
-                <a:prstClr val="white"/>
-              </a:solidFill>
-              <a:effectLst/>
-              <a:uLnTx/>
-              <a:uFillTx/>
-              <a:latin typeface="Gill Sans MT" panose="020B0502020104020203"/>
-              <a:ea typeface="+mn-ea"/>
-              <a:cs typeface="+mn-cs"/>
-            </a:endParaRPr>
-          </a:p>
-        </p:txBody>
-      </p:sp>
-      <p:sp useBgFill="1">
-        <p:nvSpPr>
-          <p:cNvPr id="11" name="Rectangle 10">
-            <a:extLst>
-              <a:ext uri="{FF2B5EF4-FFF2-40B4-BE49-F238E27FC236}">
-                <a16:creationId xmlns:a16="http://schemas.microsoft.com/office/drawing/2014/main" id="{D36A0BA4-6A63-41D3-B0FA-43799ABC4AA0}"/>
-              </a:ext>
-              <a:ext uri="{C183D7F6-B498-43B3-948B-1728B52AA6E4}">
-                <adec:decorative xmlns:adec="http://schemas.microsoft.com/office/drawing/2017/decorative" val="1"/>
-              </a:ext>
-            </a:extLst>
-          </p:cNvPr>
-          <p:cNvSpPr>
-            <a:spLocks noGrp="1" noRot="1" noChangeAspect="1" noMove="1" noResize="1" noEditPoints="1" noAdjustHandles="1" noChangeArrowheads="1" noChangeShapeType="1" noTextEdit="1"/>
-          </p:cNvSpPr>
-          <p:nvPr>
-            <p:extLst>
-              <p:ext uri="{386F3935-93C4-4BCD-93E2-E3B085C9AB24}">
-                <p16:designElem xmlns:p16="http://schemas.microsoft.com/office/powerpoint/2015/main" val="1"/>
-              </p:ext>
-            </p:extLst>
-          </p:nvPr>
-        </p:nvSpPr>
-        <p:spPr>
-          <a:xfrm>
-            <a:off x="0" y="0"/>
-            <a:ext cx="12192000" cy="6858000"/>
-          </a:xfrm>
-          <a:prstGeom prst="rect">
-            <a:avLst/>
-          </a:prstGeom>
-          <a:ln>
-            <a:noFill/>
-          </a:ln>
-          <a:effectLst/>
-        </p:spPr>
-        <p:style>
-          <a:lnRef idx="1">
-            <a:schemeClr val="accent1"/>
-          </a:lnRef>
-          <a:fillRef idx="3">
-            <a:schemeClr val="accent1"/>
-          </a:fillRef>
-          <a:effectRef idx="2">
-            <a:schemeClr val="accent1"/>
-          </a:effectRef>
-          <a:fontRef idx="minor">
-            <a:schemeClr val="lt1"/>
-          </a:fontRef>
-        </p:style>
-      </p:sp>
-      <p:sp>
-        <p:nvSpPr>
-          <p:cNvPr id="2" name="Title 1">
-            <a:extLst>
-              <a:ext uri="{FF2B5EF4-FFF2-40B4-BE49-F238E27FC236}">
-                <a16:creationId xmlns:a16="http://schemas.microsoft.com/office/drawing/2014/main" id="{CF002806-2960-4414-BDB0-6703F8AD1FEB}"/>
-              </a:ext>
-            </a:extLst>
-          </p:cNvPr>
-          <p:cNvSpPr>
-            <a:spLocks noGrp="1"/>
-          </p:cNvSpPr>
-          <p:nvPr>
-            <p:ph type="ctrTitle"/>
-          </p:nvPr>
-        </p:nvSpPr>
-        <p:spPr>
-          <a:xfrm>
-            <a:off x="581192" y="1009398"/>
-            <a:ext cx="6823988" cy="3453419"/>
-          </a:xfrm>
-        </p:spPr>
-        <p:txBody>
-          <a:bodyPr anchor="b">
-            <a:normAutofit/>
-          </a:bodyPr>
-          <a:lstStyle/>
-          <a:p>
-            <a:r>
-              <a:rPr lang="en-US" sz="6000" dirty="0">
-                <a:solidFill>
-                  <a:schemeClr val="tx1"/>
-                </a:solidFill>
-              </a:rPr>
-              <a:t>Project demo</a:t>
-            </a:r>
-          </a:p>
-        </p:txBody>
-      </p:sp>
-      <p:sp>
-        <p:nvSpPr>
-          <p:cNvPr id="13" name="Rectangle 12">
-            <a:extLst>
-              <a:ext uri="{FF2B5EF4-FFF2-40B4-BE49-F238E27FC236}">
-                <a16:creationId xmlns:a16="http://schemas.microsoft.com/office/drawing/2014/main" id="{673313D8-D259-4D89-9CE5-14884FB40DB4}"/>
-              </a:ext>
-              <a:ext uri="{C183D7F6-B498-43B3-948B-1728B52AA6E4}">
-                <adec:decorative xmlns:adec="http://schemas.microsoft.com/office/drawing/2017/decorative" val="1"/>
-              </a:ext>
-            </a:extLst>
-          </p:cNvPr>
-          <p:cNvSpPr>
-            <a:spLocks noGrp="1" noRot="1" noChangeAspect="1" noMove="1" noResize="1" noEditPoints="1" noAdjustHandles="1" noChangeArrowheads="1" noChangeShapeType="1" noTextEdit="1"/>
-          </p:cNvSpPr>
-          <p:nvPr>
-            <p:extLst>
-              <p:ext uri="{386F3935-93C4-4BCD-93E2-E3B085C9AB24}">
-                <p16:designElem xmlns:p16="http://schemas.microsoft.com/office/powerpoint/2015/main" val="1"/>
-              </p:ext>
-            </p:extLst>
-          </p:nvPr>
-        </p:nvSpPr>
-        <p:spPr>
-          <a:xfrm>
-            <a:off x="638619" y="457200"/>
-            <a:ext cx="6766560" cy="91439"/>
-          </a:xfrm>
-          <a:prstGeom prst="rect">
-            <a:avLst/>
-          </a:prstGeom>
-          <a:solidFill>
-            <a:schemeClr val="tx1">
-              <a:alpha val="60000"/>
-            </a:schemeClr>
-          </a:solidFill>
-          <a:ln>
-            <a:noFill/>
-          </a:ln>
-          <a:effectLst/>
-        </p:spPr>
-        <p:style>
-          <a:lnRef idx="1">
-            <a:schemeClr val="accent1"/>
-          </a:lnRef>
-          <a:fillRef idx="3">
-            <a:schemeClr val="accent1"/>
-          </a:fillRef>
-          <a:effectRef idx="2">
-            <a:schemeClr val="accent1"/>
-          </a:effectRef>
-          <a:fontRef idx="minor">
-            <a:schemeClr val="lt1"/>
-          </a:fontRef>
-        </p:style>
-      </p:sp>
-      <p:pic>
-        <p:nvPicPr>
-          <p:cNvPr id="5" name="Picture 4">
-            <a:extLst>
-              <a:ext uri="{FF2B5EF4-FFF2-40B4-BE49-F238E27FC236}">
-                <a16:creationId xmlns:a16="http://schemas.microsoft.com/office/drawing/2014/main" id="{FC807609-BD64-48B4-A067-B5465145C478}"/>
-              </a:ext>
-            </a:extLst>
-          </p:cNvPr>
-          <p:cNvPicPr>
-            <a:picLocks noChangeAspect="1"/>
-          </p:cNvPicPr>
-          <p:nvPr/>
-        </p:nvPicPr>
-        <p:blipFill rotWithShape="1">
-          <a:blip r:embed="rId2"/>
-          <a:srcRect l="18005" r="40196" b="-1"/>
-          <a:stretch/>
-        </p:blipFill>
-        <p:spPr>
-          <a:xfrm>
-            <a:off x="8140428" y="10"/>
-            <a:ext cx="4051572" cy="6857990"/>
-          </a:xfrm>
-          <a:prstGeom prst="rect">
-            <a:avLst/>
-          </a:prstGeom>
-        </p:spPr>
-      </p:pic>
-    </p:spTree>
-    <p:extLst>
-      <p:ext uri="{BB962C8B-B14F-4D97-AF65-F5344CB8AC3E}">
-        <p14:creationId xmlns:p14="http://schemas.microsoft.com/office/powerpoint/2010/main" val="454114810"/>
-      </p:ext>
-    </p:extLst>
-  </p:cSld>
-  <p:clrMapOvr>
-    <a:overrideClrMapping bg1="dk1" tx1="lt1" bg2="dk2" tx2="lt2" accent1="accent1" accent2="accent2" accent3="accent3" accent4="accent4" accent5="accent5" accent6="accent6" hlink="hlink" folHlink="folHlink"/>
   </p:clrMapOvr>
 </p:sld>
 </file>
